--- a/宣道詩/(宣道詩154) 耶穌我來就你.pptx
+++ b/宣道詩/(宣道詩154) 耶穌我來就你.pptx
@@ -5,18 +5,25 @@
     <p:sldMasterId id="2147483660" r:id="rId1"/>
   </p:sldMasterIdLst>
   <p:notesMasterIdLst>
-    <p:notesMasterId r:id="rId8"/>
+    <p:notesMasterId r:id="rId15"/>
   </p:notesMasterIdLst>
   <p:handoutMasterIdLst>
-    <p:handoutMasterId r:id="rId9"/>
+    <p:handoutMasterId r:id="rId16"/>
   </p:handoutMasterIdLst>
   <p:sldIdLst>
-    <p:sldId id="1601" r:id="rId2"/>
-    <p:sldId id="1602" r:id="rId3"/>
-    <p:sldId id="1603" r:id="rId4"/>
-    <p:sldId id="1604" r:id="rId5"/>
-    <p:sldId id="1605" r:id="rId6"/>
-    <p:sldId id="1606" r:id="rId7"/>
+    <p:sldId id="1607" r:id="rId2"/>
+    <p:sldId id="1608" r:id="rId3"/>
+    <p:sldId id="1609" r:id="rId4"/>
+    <p:sldId id="1610" r:id="rId5"/>
+    <p:sldId id="1611" r:id="rId6"/>
+    <p:sldId id="1612" r:id="rId7"/>
+    <p:sldId id="1613" r:id="rId8"/>
+    <p:sldId id="1614" r:id="rId9"/>
+    <p:sldId id="1615" r:id="rId10"/>
+    <p:sldId id="1616" r:id="rId11"/>
+    <p:sldId id="1617" r:id="rId12"/>
+    <p:sldId id="1618" r:id="rId13"/>
+    <p:sldId id="1619" r:id="rId14"/>
   </p:sldIdLst>
   <p:sldSz cx="12192000" cy="6858000"/>
   <p:notesSz cx="6858000" cy="9144000"/>
@@ -3722,206 +3729,126 @@
       </p:grpSpPr>
       <p:sp>
         <p:nvSpPr>
-          <p:cNvPr id="4" name="Title 3"/>
+          <p:cNvPr id="4" name="標題 3"/>
           <p:cNvSpPr>
             <a:spLocks noGrp="1"/>
           </p:cNvSpPr>
           <p:nvPr>
             <p:ph type="title"/>
           </p:nvPr>
-        </p:nvSpPr>
-        <p:spPr/>
-        <p:txBody>
-          <a:bodyPr>
-            <a:normAutofit/>
-          </a:bodyPr>
-          <a:lstStyle/>
-          <a:p>
-            <a:r>
-              <a:rPr lang="en-US" altLang="zh-TW" sz="4800" b="1" dirty="0">
-                <a:solidFill>
-                  <a:srgbClr val="002060"/>
-                </a:solidFill>
-                <a:latin typeface="Microsoft JhengHei" panose="020B0604030504040204" pitchFamily="34" charset="-120"/>
-                <a:ea typeface="Microsoft JhengHei" panose="020B0604030504040204" pitchFamily="34" charset="-120"/>
-              </a:rPr>
-              <a:t>【</a:t>
-            </a:r>
-            <a:r>
-              <a:rPr lang="zh-TW" altLang="en-US" sz="4800" b="1" dirty="0">
-                <a:solidFill>
-                  <a:srgbClr val="002060"/>
-                </a:solidFill>
-                <a:latin typeface="Microsoft JhengHei" panose="020B0604030504040204" pitchFamily="34" charset="-120"/>
-                <a:ea typeface="Microsoft JhengHei" panose="020B0604030504040204" pitchFamily="34" charset="-120"/>
-              </a:rPr>
-              <a:t>耶穌我來就你</a:t>
-            </a:r>
-            <a:r>
-              <a:rPr lang="en-US" altLang="zh-TW" sz="4800" b="1" dirty="0">
-                <a:solidFill>
-                  <a:srgbClr val="002060"/>
-                </a:solidFill>
-                <a:latin typeface="Microsoft JhengHei" panose="020B0604030504040204" pitchFamily="34" charset="-120"/>
-                <a:ea typeface="Microsoft JhengHei" panose="020B0604030504040204" pitchFamily="34" charset="-120"/>
-              </a:rPr>
-              <a:t>】</a:t>
-            </a:r>
-          </a:p>
-        </p:txBody>
-      </p:sp>
-      <p:sp>
-        <p:nvSpPr>
-          <p:cNvPr id="5" name="Content Placeholder 4"/>
-          <p:cNvSpPr>
-            <a:spLocks noGrp="1"/>
-          </p:cNvSpPr>
-          <p:nvPr>
-            <p:ph idx="1"/>
-          </p:nvPr>
-        </p:nvSpPr>
-        <p:spPr/>
-        <p:txBody>
-          <a:bodyPr>
-            <a:normAutofit/>
-          </a:bodyPr>
-          <a:lstStyle/>
-          <a:p>
-            <a:pPr marL="0" indent="0" algn="ctr">
-              <a:buNone/>
-            </a:pPr>
-            <a:r>
-              <a:rPr lang="zh-TW" altLang="en-US" sz="5400" b="1" dirty="0">
-                <a:solidFill>
-                  <a:srgbClr val="002060"/>
-                </a:solidFill>
-                <a:latin typeface="Microsoft JhengHei" panose="020B0604030504040204" pitchFamily="34" charset="-120"/>
-                <a:ea typeface="Microsoft JhengHei" panose="020B0604030504040204" pitchFamily="34" charset="-120"/>
-              </a:rPr>
-              <a:t>離去患難黑暗等苦情</a:t>
-            </a:r>
-          </a:p>
-          <a:p>
-            <a:pPr marL="0" indent="0" algn="ctr">
-              <a:buNone/>
-            </a:pPr>
-            <a:r>
-              <a:rPr lang="zh-TW" altLang="en-US" sz="5400" b="1" dirty="0">
-                <a:solidFill>
-                  <a:srgbClr val="002060"/>
-                </a:solidFill>
-                <a:latin typeface="Microsoft JhengHei" panose="020B0604030504040204" pitchFamily="34" charset="-120"/>
-                <a:ea typeface="Microsoft JhengHei" panose="020B0604030504040204" pitchFamily="34" charset="-120"/>
-              </a:rPr>
-              <a:t>耶穌我</a:t>
-            </a:r>
-            <a:r>
-              <a:rPr lang="zh-TW" altLang="en-US" sz="5400" b="1" dirty="0">
-                <a:solidFill>
-                  <a:srgbClr val="002060"/>
-                </a:solidFill>
-                <a:latin typeface="Microsoft JhengHei" panose="020B0604030504040204" pitchFamily="34" charset="-120"/>
-                <a:ea typeface="Microsoft JhengHei" panose="020B0604030504040204" pitchFamily="34" charset="-120"/>
-              </a:rPr>
-              <a:t>來  耶</a:t>
-            </a:r>
-            <a:r>
-              <a:rPr lang="zh-TW" altLang="en-US" sz="5400" b="1" dirty="0">
-                <a:solidFill>
-                  <a:srgbClr val="002060"/>
-                </a:solidFill>
-                <a:latin typeface="Microsoft JhengHei" panose="020B0604030504040204" pitchFamily="34" charset="-120"/>
-                <a:ea typeface="Microsoft JhengHei" panose="020B0604030504040204" pitchFamily="34" charset="-120"/>
-              </a:rPr>
-              <a:t>穌我來</a:t>
-            </a:r>
-          </a:p>
-          <a:p>
-            <a:pPr marL="0" indent="0" algn="ctr">
-              <a:buNone/>
-            </a:pPr>
-            <a:r>
-              <a:rPr lang="zh-TW" altLang="en-US" sz="5400" b="1" dirty="0">
-                <a:solidFill>
-                  <a:srgbClr val="002060"/>
-                </a:solidFill>
-                <a:latin typeface="Microsoft JhengHei" panose="020B0604030504040204" pitchFamily="34" charset="-120"/>
-                <a:ea typeface="Microsoft JhengHei" panose="020B0604030504040204" pitchFamily="34" charset="-120"/>
-              </a:rPr>
-              <a:t>入主所賜歡樂與光明</a:t>
-            </a:r>
-          </a:p>
-          <a:p>
-            <a:pPr marL="0" indent="0" algn="ctr">
-              <a:buNone/>
-            </a:pPr>
-            <a:r>
-              <a:rPr lang="zh-TW" altLang="en-US" sz="5400" b="1" dirty="0">
-                <a:solidFill>
-                  <a:srgbClr val="002060"/>
-                </a:solidFill>
-                <a:latin typeface="Microsoft JhengHei" panose="020B0604030504040204" pitchFamily="34" charset="-120"/>
-                <a:ea typeface="Microsoft JhengHei" panose="020B0604030504040204" pitchFamily="34" charset="-120"/>
-              </a:rPr>
-              <a:t>耶穌我</a:t>
-            </a:r>
-            <a:r>
-              <a:rPr lang="zh-TW" altLang="en-US" sz="5400" b="1" dirty="0">
-                <a:solidFill>
-                  <a:srgbClr val="002060"/>
-                </a:solidFill>
-                <a:latin typeface="Microsoft JhengHei" panose="020B0604030504040204" pitchFamily="34" charset="-120"/>
-                <a:ea typeface="Microsoft JhengHei" panose="020B0604030504040204" pitchFamily="34" charset="-120"/>
-              </a:rPr>
-              <a:t>來  就</a:t>
-            </a:r>
-            <a:r>
-              <a:rPr lang="zh-TW" altLang="en-US" sz="5400" b="1" dirty="0">
-                <a:solidFill>
-                  <a:srgbClr val="002060"/>
-                </a:solidFill>
-                <a:latin typeface="Microsoft JhengHei" panose="020B0604030504040204" pitchFamily="34" charset="-120"/>
-                <a:ea typeface="Microsoft JhengHei" panose="020B0604030504040204" pitchFamily="34" charset="-120"/>
-              </a:rPr>
-              <a:t>你</a:t>
-            </a:r>
-          </a:p>
-        </p:txBody>
-      </p:sp>
-      <p:sp>
-        <p:nvSpPr>
-          <p:cNvPr id="6" name="Text Box 1"/>
-          <p:cNvSpPr txBox="1"/>
-          <p:nvPr/>
         </p:nvSpPr>
         <p:spPr>
           <a:xfrm>
-            <a:off x="609600" y="1700808"/>
-            <a:ext cx="1380490" cy="923330"/>
+            <a:off x="0" y="2660915"/>
+            <a:ext cx="12192000" cy="1143000"/>
           </a:xfrm>
-          <a:prstGeom prst="rect">
-            <a:avLst/>
-          </a:prstGeom>
-          <a:noFill/>
-          <a:ln w="9525">
-            <a:noFill/>
-            <a:miter lim="800000"/>
-          </a:ln>
         </p:spPr>
         <p:txBody>
-          <a:bodyPr wrap="square">
-            <a:spAutoFit/>
+          <a:bodyPr>
+            <a:noAutofit/>
           </a:bodyPr>
           <a:lstStyle/>
           <a:p>
-            <a:pPr algn="ctr"/>
-            <a:r>
-              <a:rPr lang="en-US" sz="5400" b="1" dirty="0">
-                <a:solidFill>
-                  <a:srgbClr val="002060"/>
-                </a:solidFill>
+            <a:r>
+              <a:rPr lang="zh-CN" altLang="en-US" sz="5333" b="1" u="sng" dirty="0">
+                <a:solidFill>
+                  <a:srgbClr val="000066"/>
+                </a:solidFill>
+                <a:effectLst>
+                  <a:outerShdw blurRad="38100" dist="38100" dir="2700000" algn="tl">
+                    <a:srgbClr val="000000">
+                      <a:alpha val="43137"/>
+                    </a:srgbClr>
+                  </a:outerShdw>
+                </a:effectLst>
+                <a:latin typeface="微軟正黑體" pitchFamily="34" charset="-120"/>
+                <a:ea typeface="微軟正黑體" pitchFamily="34" charset="-120"/>
               </a:rPr>
-              <a:t>1.</a:t>
+              <a:t>宣道詩 </a:t>
+            </a:r>
+            <a:r>
+              <a:rPr lang="en-US" altLang="zh-CN" sz="5333" b="1" u="sng" dirty="0">
+                <a:solidFill>
+                  <a:srgbClr val="000066"/>
+                </a:solidFill>
+                <a:effectLst>
+                  <a:outerShdw blurRad="38100" dist="38100" dir="2700000" algn="tl">
+                    <a:srgbClr val="000000">
+                      <a:alpha val="43137"/>
+                    </a:srgbClr>
+                  </a:outerShdw>
+                </a:effectLst>
+                <a:latin typeface="微軟正黑體" pitchFamily="34" charset="-120"/>
+                <a:ea typeface="微軟正黑體" pitchFamily="34" charset="-120"/>
+              </a:rPr>
+              <a:t>154</a:t>
+            </a:r>
+            <a:r>
+              <a:rPr lang="en-US" altLang="zh-CN" sz="7200" b="1" i="1" dirty="0">
+                <a:solidFill>
+                  <a:srgbClr val="660033"/>
+                </a:solidFill>
+                <a:effectLst>
+                  <a:outerShdw blurRad="38100" dist="38100" dir="2700000" algn="tl">
+                    <a:srgbClr val="000000">
+                      <a:alpha val="43137"/>
+                    </a:srgbClr>
+                  </a:outerShdw>
+                </a:effectLst>
+                <a:latin typeface="微軟正黑體" pitchFamily="34" charset="-120"/>
+                <a:ea typeface="微軟正黑體" pitchFamily="34" charset="-120"/>
+              </a:rPr>
+              <a:t/>
+            </a:r>
+            <a:br>
+              <a:rPr lang="en-US" altLang="zh-CN" sz="7200" b="1" i="1" dirty="0">
+                <a:solidFill>
+                  <a:srgbClr val="660033"/>
+                </a:solidFill>
+                <a:effectLst>
+                  <a:outerShdw blurRad="38100" dist="38100" dir="2700000" algn="tl">
+                    <a:srgbClr val="000000">
+                      <a:alpha val="43137"/>
+                    </a:srgbClr>
+                  </a:outerShdw>
+                </a:effectLst>
+                <a:latin typeface="微軟正黑體" pitchFamily="34" charset="-120"/>
+                <a:ea typeface="微軟正黑體" pitchFamily="34" charset="-120"/>
+              </a:rPr>
+            </a:br>
+            <a:r>
+              <a:rPr lang="zh-TW" altLang="en-US" sz="8000" b="1" dirty="0">
+                <a:solidFill>
+                  <a:srgbClr val="660033"/>
+                </a:solidFill>
+                <a:effectLst>
+                  <a:outerShdw blurRad="38100" dist="38100" dir="2700000" algn="tl">
+                    <a:srgbClr val="000000">
+                      <a:alpha val="43137"/>
+                    </a:srgbClr>
+                  </a:outerShdw>
+                </a:effectLst>
+                <a:latin typeface="微軟正黑體" pitchFamily="34" charset="-120"/>
+                <a:ea typeface="微軟正黑體" pitchFamily="34" charset="-120"/>
+              </a:rPr>
+              <a:t>耶</a:t>
+            </a:r>
+            <a:r>
+              <a:rPr lang="zh-TW" altLang="en-US" sz="8000" b="1" dirty="0">
+                <a:solidFill>
+                  <a:srgbClr val="660033"/>
+                </a:solidFill>
+                <a:effectLst>
+                  <a:outerShdw blurRad="38100" dist="38100" dir="2700000" algn="tl">
+                    <a:srgbClr val="000000">
+                      <a:alpha val="43137"/>
+                    </a:srgbClr>
+                  </a:outerShdw>
+                </a:effectLst>
+                <a:latin typeface="微軟正黑體" pitchFamily="34" charset="-120"/>
+                <a:ea typeface="微軟正黑體" pitchFamily="34" charset="-120"/>
+              </a:rPr>
+              <a:t>穌我來就你</a:t>
             </a:r>
           </a:p>
         </p:txBody>
@@ -3929,13 +3856,564 @@
     </p:spTree>
     <p:extLst>
       <p:ext uri="{BB962C8B-B14F-4D97-AF65-F5344CB8AC3E}">
-        <p14:creationId xmlns:p14="http://schemas.microsoft.com/office/powerpoint/2010/main" val="51500806"/>
+        <p14:creationId xmlns:p14="http://schemas.microsoft.com/office/powerpoint/2010/main" val="1106150864"/>
       </p:ext>
     </p:extLst>
   </p:cSld>
   <p:clrMapOvr>
     <a:masterClrMapping/>
   </p:clrMapOvr>
+  <p:timing>
+    <p:tnLst>
+      <p:par>
+        <p:cTn id="1" dur="indefinite" restart="never" nodeType="tmRoot"/>
+      </p:par>
+    </p:tnLst>
+  </p:timing>
+</p:sld>
+</file>
+
+<file path=ppt/slides/slide10.xml><?xml version="1.0" encoding="utf-8"?>
+<p:sld xmlns:a="http://schemas.openxmlformats.org/drawingml/2006/main" xmlns:r="http://schemas.openxmlformats.org/officeDocument/2006/relationships" xmlns:p="http://schemas.openxmlformats.org/presentationml/2006/main">
+  <p:cSld>
+    <p:spTree>
+      <p:nvGrpSpPr>
+        <p:cNvPr id="1" name=""/>
+        <p:cNvGrpSpPr/>
+        <p:nvPr/>
+      </p:nvGrpSpPr>
+      <p:grpSpPr>
+        <a:xfrm>
+          <a:off x="0" y="0"/>
+          <a:ext cx="0" cy="0"/>
+          <a:chOff x="0" y="0"/>
+          <a:chExt cx="0" cy="0"/>
+        </a:xfrm>
+      </p:grpSpPr>
+      <p:sp>
+        <p:nvSpPr>
+          <p:cNvPr id="5" name="內容版面配置區 4"/>
+          <p:cNvSpPr>
+            <a:spLocks noGrp="1"/>
+          </p:cNvSpPr>
+          <p:nvPr>
+            <p:ph idx="1"/>
+          </p:nvPr>
+        </p:nvSpPr>
+        <p:spPr>
+          <a:xfrm>
+            <a:off x="0" y="2084851"/>
+            <a:ext cx="12192000" cy="2404863"/>
+          </a:xfrm>
+        </p:spPr>
+        <p:txBody>
+          <a:bodyPr anchor="ctr">
+            <a:normAutofit/>
+          </a:bodyPr>
+          <a:lstStyle/>
+          <a:p>
+            <a:pPr marL="0" indent="0" algn="ctr">
+              <a:buNone/>
+            </a:pPr>
+            <a:r>
+              <a:rPr lang="zh-TW" altLang="en-US" sz="6400" b="1" dirty="0">
+                <a:solidFill>
+                  <a:srgbClr val="660033"/>
+                </a:solidFill>
+                <a:latin typeface="Microsoft JhengHei" panose="020B0604030504040204" pitchFamily="34" charset="-120"/>
+                <a:ea typeface="Microsoft JhengHei" panose="020B0604030504040204" pitchFamily="34" charset="-120"/>
+              </a:rPr>
+              <a:t>離去墳墓黑暗的驚慌</a:t>
+            </a:r>
+          </a:p>
+          <a:p>
+            <a:pPr marL="0" indent="0" algn="ctr">
+              <a:buNone/>
+            </a:pPr>
+            <a:r>
+              <a:rPr lang="zh-TW" altLang="en-US" sz="6400" b="1" dirty="0">
+                <a:solidFill>
+                  <a:srgbClr val="660033"/>
+                </a:solidFill>
+                <a:latin typeface="Microsoft JhengHei" panose="020B0604030504040204" pitchFamily="34" charset="-120"/>
+                <a:ea typeface="Microsoft JhengHei" panose="020B0604030504040204" pitchFamily="34" charset="-120"/>
+              </a:rPr>
+              <a:t>耶穌我來  耶穌我來</a:t>
+            </a:r>
+            <a:endParaRPr lang="zh-TW" altLang="en-US" sz="6400" b="1" dirty="0">
+              <a:solidFill>
+                <a:srgbClr val="660033"/>
+              </a:solidFill>
+              <a:latin typeface="Microsoft JhengHei" panose="020B0604030504040204" pitchFamily="34" charset="-120"/>
+              <a:ea typeface="Microsoft JhengHei" panose="020B0604030504040204" pitchFamily="34" charset="-120"/>
+            </a:endParaRPr>
+          </a:p>
+        </p:txBody>
+      </p:sp>
+      <p:sp>
+        <p:nvSpPr>
+          <p:cNvPr id="3" name="TextBox 2"/>
+          <p:cNvSpPr txBox="1"/>
+          <p:nvPr/>
+        </p:nvSpPr>
+        <p:spPr>
+          <a:xfrm>
+            <a:off x="0" y="5061182"/>
+            <a:ext cx="12192000" cy="830997"/>
+          </a:xfrm>
+          <a:prstGeom prst="rect">
+            <a:avLst/>
+          </a:prstGeom>
+          <a:noFill/>
+        </p:spPr>
+        <p:txBody>
+          <a:bodyPr wrap="square" rtlCol="0">
+            <a:spAutoFit/>
+          </a:bodyPr>
+          <a:lstStyle/>
+          <a:p>
+            <a:pPr algn="ctr"/>
+            <a:r>
+              <a:rPr lang="en-US" sz="4800" b="1" dirty="0">
+                <a:solidFill>
+                  <a:srgbClr val="660033"/>
+                </a:solidFill>
+              </a:rPr>
+              <a:t>( 3 )</a:t>
+            </a:r>
+            <a:endParaRPr lang="vi-VN" sz="4800" b="1" dirty="0">
+              <a:solidFill>
+                <a:srgbClr val="660033"/>
+              </a:solidFill>
+            </a:endParaRPr>
+          </a:p>
+        </p:txBody>
+      </p:sp>
+    </p:spTree>
+    <p:extLst>
+      <p:ext uri="{BB962C8B-B14F-4D97-AF65-F5344CB8AC3E}">
+        <p14:creationId xmlns:p14="http://schemas.microsoft.com/office/powerpoint/2010/main" val="462114570"/>
+      </p:ext>
+    </p:extLst>
+  </p:cSld>
+  <p:clrMapOvr>
+    <a:masterClrMapping/>
+  </p:clrMapOvr>
+  <p:timing>
+    <p:tnLst>
+      <p:par>
+        <p:cTn id="1" dur="indefinite" restart="never" nodeType="tmRoot"/>
+      </p:par>
+    </p:tnLst>
+  </p:timing>
+</p:sld>
+</file>
+
+<file path=ppt/slides/slide11.xml><?xml version="1.0" encoding="utf-8"?>
+<p:sld xmlns:a="http://schemas.openxmlformats.org/drawingml/2006/main" xmlns:r="http://schemas.openxmlformats.org/officeDocument/2006/relationships" xmlns:p="http://schemas.openxmlformats.org/presentationml/2006/main">
+  <p:cSld>
+    <p:spTree>
+      <p:nvGrpSpPr>
+        <p:cNvPr id="1" name=""/>
+        <p:cNvGrpSpPr/>
+        <p:nvPr/>
+      </p:nvGrpSpPr>
+      <p:grpSpPr>
+        <a:xfrm>
+          <a:off x="0" y="0"/>
+          <a:ext cx="0" cy="0"/>
+          <a:chOff x="0" y="0"/>
+          <a:chExt cx="0" cy="0"/>
+        </a:xfrm>
+      </p:grpSpPr>
+      <p:sp>
+        <p:nvSpPr>
+          <p:cNvPr id="5" name="內容版面配置區 4"/>
+          <p:cNvSpPr>
+            <a:spLocks noGrp="1"/>
+          </p:cNvSpPr>
+          <p:nvPr>
+            <p:ph idx="1"/>
+          </p:nvPr>
+        </p:nvSpPr>
+        <p:spPr>
+          <a:xfrm>
+            <a:off x="0" y="2084851"/>
+            <a:ext cx="12192000" cy="2404863"/>
+          </a:xfrm>
+        </p:spPr>
+        <p:txBody>
+          <a:bodyPr anchor="ctr">
+            <a:normAutofit/>
+          </a:bodyPr>
+          <a:lstStyle/>
+          <a:p>
+            <a:pPr marL="0" indent="0" algn="ctr">
+              <a:buNone/>
+            </a:pPr>
+            <a:r>
+              <a:rPr lang="zh-TW" altLang="en-US" sz="6400" b="1" dirty="0">
+                <a:solidFill>
+                  <a:srgbClr val="660033"/>
+                </a:solidFill>
+                <a:latin typeface="Microsoft JhengHei" panose="020B0604030504040204" pitchFamily="34" charset="-120"/>
+                <a:ea typeface="Microsoft JhengHei" panose="020B0604030504040204" pitchFamily="34" charset="-120"/>
+              </a:rPr>
+              <a:t>入主明宮快樂與榮光</a:t>
+            </a:r>
+          </a:p>
+          <a:p>
+            <a:pPr marL="0" indent="0" algn="ctr">
+              <a:buNone/>
+            </a:pPr>
+            <a:r>
+              <a:rPr lang="zh-TW" altLang="en-US" sz="6400" b="1" dirty="0">
+                <a:solidFill>
+                  <a:srgbClr val="660033"/>
+                </a:solidFill>
+                <a:latin typeface="Microsoft JhengHei" panose="020B0604030504040204" pitchFamily="34" charset="-120"/>
+                <a:ea typeface="Microsoft JhengHei" panose="020B0604030504040204" pitchFamily="34" charset="-120"/>
+              </a:rPr>
+              <a:t>耶穌我來就你</a:t>
+            </a:r>
+            <a:endParaRPr lang="zh-TW" altLang="en-US" sz="6400" b="1" dirty="0">
+              <a:solidFill>
+                <a:srgbClr val="660033"/>
+              </a:solidFill>
+              <a:latin typeface="Microsoft JhengHei" panose="020B0604030504040204" pitchFamily="34" charset="-120"/>
+              <a:ea typeface="Microsoft JhengHei" panose="020B0604030504040204" pitchFamily="34" charset="-120"/>
+            </a:endParaRPr>
+          </a:p>
+        </p:txBody>
+      </p:sp>
+      <p:sp>
+        <p:nvSpPr>
+          <p:cNvPr id="3" name="TextBox 2"/>
+          <p:cNvSpPr txBox="1"/>
+          <p:nvPr/>
+        </p:nvSpPr>
+        <p:spPr>
+          <a:xfrm>
+            <a:off x="0" y="5061182"/>
+            <a:ext cx="12192000" cy="830997"/>
+          </a:xfrm>
+          <a:prstGeom prst="rect">
+            <a:avLst/>
+          </a:prstGeom>
+          <a:noFill/>
+        </p:spPr>
+        <p:txBody>
+          <a:bodyPr wrap="square" rtlCol="0">
+            <a:spAutoFit/>
+          </a:bodyPr>
+          <a:lstStyle/>
+          <a:p>
+            <a:pPr algn="ctr"/>
+            <a:r>
+              <a:rPr lang="en-US" sz="4800" b="1" dirty="0">
+                <a:solidFill>
+                  <a:srgbClr val="660033"/>
+                </a:solidFill>
+              </a:rPr>
+              <a:t>( 3 )</a:t>
+            </a:r>
+            <a:endParaRPr lang="vi-VN" sz="4800" b="1" dirty="0">
+              <a:solidFill>
+                <a:srgbClr val="660033"/>
+              </a:solidFill>
+            </a:endParaRPr>
+          </a:p>
+        </p:txBody>
+      </p:sp>
+    </p:spTree>
+    <p:extLst>
+      <p:ext uri="{BB962C8B-B14F-4D97-AF65-F5344CB8AC3E}">
+        <p14:creationId xmlns:p14="http://schemas.microsoft.com/office/powerpoint/2010/main" val="606728529"/>
+      </p:ext>
+    </p:extLst>
+  </p:cSld>
+  <p:clrMapOvr>
+    <a:masterClrMapping/>
+  </p:clrMapOvr>
+  <p:timing>
+    <p:tnLst>
+      <p:par>
+        <p:cTn id="1" dur="indefinite" restart="never" nodeType="tmRoot"/>
+      </p:par>
+    </p:tnLst>
+  </p:timing>
+</p:sld>
+</file>
+
+<file path=ppt/slides/slide12.xml><?xml version="1.0" encoding="utf-8"?>
+<p:sld xmlns:a="http://schemas.openxmlformats.org/drawingml/2006/main" xmlns:r="http://schemas.openxmlformats.org/officeDocument/2006/relationships" xmlns:p="http://schemas.openxmlformats.org/presentationml/2006/main">
+  <p:cSld>
+    <p:spTree>
+      <p:nvGrpSpPr>
+        <p:cNvPr id="1" name=""/>
+        <p:cNvGrpSpPr/>
+        <p:nvPr/>
+      </p:nvGrpSpPr>
+      <p:grpSpPr>
+        <a:xfrm>
+          <a:off x="0" y="0"/>
+          <a:ext cx="0" cy="0"/>
+          <a:chOff x="0" y="0"/>
+          <a:chExt cx="0" cy="0"/>
+        </a:xfrm>
+      </p:grpSpPr>
+      <p:sp>
+        <p:nvSpPr>
+          <p:cNvPr id="5" name="內容版面配置區 4"/>
+          <p:cNvSpPr>
+            <a:spLocks noGrp="1"/>
+          </p:cNvSpPr>
+          <p:nvPr>
+            <p:ph idx="1"/>
+          </p:nvPr>
+        </p:nvSpPr>
+        <p:spPr>
+          <a:xfrm>
+            <a:off x="0" y="2084851"/>
+            <a:ext cx="12192000" cy="2404863"/>
+          </a:xfrm>
+        </p:spPr>
+        <p:txBody>
+          <a:bodyPr anchor="ctr">
+            <a:normAutofit/>
+          </a:bodyPr>
+          <a:lstStyle/>
+          <a:p>
+            <a:pPr marL="0" indent="0" algn="ctr">
+              <a:buNone/>
+            </a:pPr>
+            <a:r>
+              <a:rPr lang="zh-TW" altLang="en-US" sz="6400" b="1" dirty="0">
+                <a:solidFill>
+                  <a:srgbClr val="660033"/>
+                </a:solidFill>
+                <a:latin typeface="Microsoft JhengHei" panose="020B0604030504040204" pitchFamily="34" charset="-120"/>
+                <a:ea typeface="Microsoft JhengHei" panose="020B0604030504040204" pitchFamily="34" charset="-120"/>
+              </a:rPr>
+              <a:t>離去罪惡永死的深坑</a:t>
+            </a:r>
+          </a:p>
+          <a:p>
+            <a:pPr marL="0" indent="0" algn="ctr">
+              <a:buNone/>
+            </a:pPr>
+            <a:r>
+              <a:rPr lang="zh-TW" altLang="en-US" sz="6400" b="1" dirty="0">
+                <a:solidFill>
+                  <a:srgbClr val="660033"/>
+                </a:solidFill>
+                <a:latin typeface="Microsoft JhengHei" panose="020B0604030504040204" pitchFamily="34" charset="-120"/>
+                <a:ea typeface="Microsoft JhengHei" panose="020B0604030504040204" pitchFamily="34" charset="-120"/>
+              </a:rPr>
+              <a:t>入主所賜無限的平安</a:t>
+            </a:r>
+            <a:endParaRPr lang="zh-TW" altLang="en-US" sz="6400" b="1" dirty="0">
+              <a:solidFill>
+                <a:srgbClr val="660033"/>
+              </a:solidFill>
+              <a:latin typeface="Microsoft JhengHei" panose="020B0604030504040204" pitchFamily="34" charset="-120"/>
+              <a:ea typeface="Microsoft JhengHei" panose="020B0604030504040204" pitchFamily="34" charset="-120"/>
+            </a:endParaRPr>
+          </a:p>
+        </p:txBody>
+      </p:sp>
+      <p:sp>
+        <p:nvSpPr>
+          <p:cNvPr id="3" name="TextBox 2"/>
+          <p:cNvSpPr txBox="1"/>
+          <p:nvPr/>
+        </p:nvSpPr>
+        <p:spPr>
+          <a:xfrm>
+            <a:off x="0" y="5061182"/>
+            <a:ext cx="12192000" cy="830997"/>
+          </a:xfrm>
+          <a:prstGeom prst="rect">
+            <a:avLst/>
+          </a:prstGeom>
+          <a:noFill/>
+        </p:spPr>
+        <p:txBody>
+          <a:bodyPr wrap="square" rtlCol="0">
+            <a:spAutoFit/>
+          </a:bodyPr>
+          <a:lstStyle/>
+          <a:p>
+            <a:pPr algn="ctr"/>
+            <a:r>
+              <a:rPr lang="en-US" sz="4800" b="1" dirty="0">
+                <a:solidFill>
+                  <a:srgbClr val="660033"/>
+                </a:solidFill>
+              </a:rPr>
+              <a:t>( 3 )</a:t>
+            </a:r>
+            <a:endParaRPr lang="vi-VN" sz="4800" b="1" dirty="0">
+              <a:solidFill>
+                <a:srgbClr val="660033"/>
+              </a:solidFill>
+            </a:endParaRPr>
+          </a:p>
+        </p:txBody>
+      </p:sp>
+    </p:spTree>
+    <p:extLst>
+      <p:ext uri="{BB962C8B-B14F-4D97-AF65-F5344CB8AC3E}">
+        <p14:creationId xmlns:p14="http://schemas.microsoft.com/office/powerpoint/2010/main" val="2507717712"/>
+      </p:ext>
+    </p:extLst>
+  </p:cSld>
+  <p:clrMapOvr>
+    <a:masterClrMapping/>
+  </p:clrMapOvr>
+  <p:timing>
+    <p:tnLst>
+      <p:par>
+        <p:cTn id="1" dur="indefinite" restart="never" nodeType="tmRoot"/>
+      </p:par>
+    </p:tnLst>
+  </p:timing>
+</p:sld>
+</file>
+
+<file path=ppt/slides/slide13.xml><?xml version="1.0" encoding="utf-8"?>
+<p:sld xmlns:a="http://schemas.openxmlformats.org/drawingml/2006/main" xmlns:r="http://schemas.openxmlformats.org/officeDocument/2006/relationships" xmlns:p="http://schemas.openxmlformats.org/presentationml/2006/main">
+  <p:cSld>
+    <p:spTree>
+      <p:nvGrpSpPr>
+        <p:cNvPr id="1" name=""/>
+        <p:cNvGrpSpPr/>
+        <p:nvPr/>
+      </p:nvGrpSpPr>
+      <p:grpSpPr>
+        <a:xfrm>
+          <a:off x="0" y="0"/>
+          <a:ext cx="0" cy="0"/>
+          <a:chOff x="0" y="0"/>
+          <a:chExt cx="0" cy="0"/>
+        </a:xfrm>
+      </p:grpSpPr>
+      <p:sp>
+        <p:nvSpPr>
+          <p:cNvPr id="5" name="內容版面配置區 4"/>
+          <p:cNvSpPr>
+            <a:spLocks noGrp="1"/>
+          </p:cNvSpPr>
+          <p:nvPr>
+            <p:ph idx="1"/>
+          </p:nvPr>
+        </p:nvSpPr>
+        <p:spPr>
+          <a:xfrm>
+            <a:off x="0" y="2084851"/>
+            <a:ext cx="12192000" cy="2404863"/>
+          </a:xfrm>
+        </p:spPr>
+        <p:txBody>
+          <a:bodyPr anchor="ctr">
+            <a:normAutofit/>
+          </a:bodyPr>
+          <a:lstStyle/>
+          <a:p>
+            <a:pPr marL="0" indent="0" algn="ctr">
+              <a:buNone/>
+            </a:pPr>
+            <a:r>
+              <a:rPr lang="zh-TW" altLang="en-US" sz="6400" b="1" dirty="0">
+                <a:solidFill>
+                  <a:srgbClr val="660033"/>
+                </a:solidFill>
+                <a:latin typeface="Microsoft JhengHei" panose="020B0604030504040204" pitchFamily="34" charset="-120"/>
+                <a:ea typeface="Microsoft JhengHei" panose="020B0604030504040204" pitchFamily="34" charset="-120"/>
+              </a:rPr>
+              <a:t>永遠見主燦爛戴華冠</a:t>
+            </a:r>
+          </a:p>
+          <a:p>
+            <a:pPr marL="0" indent="0" algn="ctr">
+              <a:buNone/>
+            </a:pPr>
+            <a:r>
+              <a:rPr lang="zh-TW" altLang="en-US" sz="6400" b="1" dirty="0">
+                <a:solidFill>
+                  <a:srgbClr val="660033"/>
+                </a:solidFill>
+                <a:latin typeface="Microsoft JhengHei" panose="020B0604030504040204" pitchFamily="34" charset="-120"/>
+                <a:ea typeface="Microsoft JhengHei" panose="020B0604030504040204" pitchFamily="34" charset="-120"/>
+              </a:rPr>
+              <a:t>耶穌我來就你</a:t>
+            </a:r>
+            <a:endParaRPr lang="zh-TW" altLang="en-US" sz="6400" b="1" dirty="0">
+              <a:solidFill>
+                <a:srgbClr val="660033"/>
+              </a:solidFill>
+              <a:latin typeface="Microsoft JhengHei" panose="020B0604030504040204" pitchFamily="34" charset="-120"/>
+              <a:ea typeface="Microsoft JhengHei" panose="020B0604030504040204" pitchFamily="34" charset="-120"/>
+            </a:endParaRPr>
+          </a:p>
+        </p:txBody>
+      </p:sp>
+      <p:sp>
+        <p:nvSpPr>
+          <p:cNvPr id="3" name="TextBox 2"/>
+          <p:cNvSpPr txBox="1"/>
+          <p:nvPr/>
+        </p:nvSpPr>
+        <p:spPr>
+          <a:xfrm>
+            <a:off x="0" y="5061182"/>
+            <a:ext cx="12192000" cy="830997"/>
+          </a:xfrm>
+          <a:prstGeom prst="rect">
+            <a:avLst/>
+          </a:prstGeom>
+          <a:noFill/>
+        </p:spPr>
+        <p:txBody>
+          <a:bodyPr wrap="square" rtlCol="0">
+            <a:spAutoFit/>
+          </a:bodyPr>
+          <a:lstStyle/>
+          <a:p>
+            <a:pPr algn="ctr"/>
+            <a:r>
+              <a:rPr lang="en-US" sz="4800" b="1" dirty="0">
+                <a:solidFill>
+                  <a:srgbClr val="660033"/>
+                </a:solidFill>
+              </a:rPr>
+              <a:t>( 3 )</a:t>
+            </a:r>
+            <a:endParaRPr lang="vi-VN" sz="4800" b="1" dirty="0">
+              <a:solidFill>
+                <a:srgbClr val="660033"/>
+              </a:solidFill>
+            </a:endParaRPr>
+          </a:p>
+        </p:txBody>
+      </p:sp>
+    </p:spTree>
+    <p:extLst>
+      <p:ext uri="{BB962C8B-B14F-4D97-AF65-F5344CB8AC3E}">
+        <p14:creationId xmlns:p14="http://schemas.microsoft.com/office/powerpoint/2010/main" val="2625793998"/>
+      </p:ext>
+    </p:extLst>
+  </p:cSld>
+  <p:clrMapOvr>
+    <a:masterClrMapping/>
+  </p:clrMapOvr>
+  <p:timing>
+    <p:tnLst>
+      <p:par>
+        <p:cTn id="1" dur="indefinite" restart="never" nodeType="tmRoot"/>
+      </p:par>
+    </p:tnLst>
+  </p:timing>
 </p:sld>
 </file>
 
@@ -3958,180 +4436,120 @@
       </p:grpSpPr>
       <p:sp>
         <p:nvSpPr>
-          <p:cNvPr id="4" name="Title 3"/>
-          <p:cNvSpPr>
-            <a:spLocks noGrp="1"/>
-          </p:cNvSpPr>
-          <p:nvPr>
-            <p:ph type="title"/>
-          </p:nvPr>
-        </p:nvSpPr>
-        <p:spPr/>
-        <p:txBody>
-          <a:bodyPr>
+          <p:cNvPr id="5" name="內容版面配置區 4"/>
+          <p:cNvSpPr>
+            <a:spLocks noGrp="1"/>
+          </p:cNvSpPr>
+          <p:nvPr>
+            <p:ph idx="1"/>
+          </p:nvPr>
+        </p:nvSpPr>
+        <p:spPr>
+          <a:xfrm>
+            <a:off x="0" y="2084851"/>
+            <a:ext cx="12192000" cy="2404863"/>
+          </a:xfrm>
+        </p:spPr>
+        <p:txBody>
+          <a:bodyPr anchor="ctr">
             <a:normAutofit/>
           </a:bodyPr>
           <a:lstStyle/>
           <a:p>
-            <a:r>
-              <a:rPr lang="en-US" altLang="zh-TW" sz="4800" b="1" dirty="0">
-                <a:solidFill>
-                  <a:srgbClr val="002060"/>
+            <a:pPr marL="0" indent="0" algn="ctr">
+              <a:buNone/>
+            </a:pPr>
+            <a:r>
+              <a:rPr lang="zh-TW" altLang="en-US" sz="6400" b="1" dirty="0">
+                <a:solidFill>
+                  <a:srgbClr val="660033"/>
                 </a:solidFill>
                 <a:latin typeface="Microsoft JhengHei" panose="020B0604030504040204" pitchFamily="34" charset="-120"/>
                 <a:ea typeface="Microsoft JhengHei" panose="020B0604030504040204" pitchFamily="34" charset="-120"/>
               </a:rPr>
-              <a:t>【</a:t>
-            </a:r>
-            <a:r>
-              <a:rPr lang="zh-TW" altLang="en-US" sz="4800" b="1" dirty="0">
-                <a:solidFill>
-                  <a:srgbClr val="002060"/>
+              <a:t>離去患難黑暗等苦情</a:t>
+            </a:r>
+          </a:p>
+          <a:p>
+            <a:pPr marL="0" indent="0" algn="ctr">
+              <a:buNone/>
+            </a:pPr>
+            <a:r>
+              <a:rPr lang="zh-TW" altLang="en-US" sz="6400" b="1" dirty="0">
+                <a:solidFill>
+                  <a:srgbClr val="660033"/>
                 </a:solidFill>
                 <a:latin typeface="Microsoft JhengHei" panose="020B0604030504040204" pitchFamily="34" charset="-120"/>
                 <a:ea typeface="Microsoft JhengHei" panose="020B0604030504040204" pitchFamily="34" charset="-120"/>
               </a:rPr>
-              <a:t>耶穌我來就你</a:t>
-            </a:r>
-            <a:r>
-              <a:rPr lang="en-US" altLang="zh-TW" sz="4800" b="1" dirty="0">
-                <a:solidFill>
-                  <a:srgbClr val="002060"/>
-                </a:solidFill>
-                <a:latin typeface="Microsoft JhengHei" panose="020B0604030504040204" pitchFamily="34" charset="-120"/>
-                <a:ea typeface="Microsoft JhengHei" panose="020B0604030504040204" pitchFamily="34" charset="-120"/>
-              </a:rPr>
-              <a:t>】</a:t>
-            </a:r>
-          </a:p>
-        </p:txBody>
-      </p:sp>
-      <p:sp>
-        <p:nvSpPr>
-          <p:cNvPr id="5" name="Content Placeholder 4"/>
-          <p:cNvSpPr>
-            <a:spLocks noGrp="1"/>
-          </p:cNvSpPr>
-          <p:nvPr>
-            <p:ph idx="1"/>
-          </p:nvPr>
-        </p:nvSpPr>
-        <p:spPr/>
-        <p:txBody>
-          <a:bodyPr>
-            <a:normAutofit/>
-          </a:bodyPr>
-          <a:lstStyle/>
-          <a:p>
-            <a:pPr marL="0" indent="0" algn="ctr">
-              <a:buNone/>
-            </a:pPr>
-            <a:r>
-              <a:rPr lang="zh-TW" altLang="en-US" sz="5400" b="1" dirty="0">
-                <a:solidFill>
-                  <a:srgbClr val="002060"/>
-                </a:solidFill>
-                <a:latin typeface="Microsoft JhengHei" panose="020B0604030504040204" pitchFamily="34" charset="-120"/>
-                <a:ea typeface="Microsoft JhengHei" panose="020B0604030504040204" pitchFamily="34" charset="-120"/>
-              </a:rPr>
-              <a:t>離去束縛入主之安寧</a:t>
-            </a:r>
-          </a:p>
-          <a:p>
-            <a:pPr marL="0" indent="0" algn="ctr">
-              <a:buNone/>
-            </a:pPr>
-            <a:r>
-              <a:rPr lang="zh-TW" altLang="en-US" sz="5400" b="1" dirty="0">
-                <a:solidFill>
-                  <a:srgbClr val="002060"/>
-                </a:solidFill>
-                <a:latin typeface="Microsoft JhengHei" panose="020B0604030504040204" pitchFamily="34" charset="-120"/>
-                <a:ea typeface="Microsoft JhengHei" panose="020B0604030504040204" pitchFamily="34" charset="-120"/>
-              </a:rPr>
-              <a:t>離去缺乏入主之充盈</a:t>
-            </a:r>
-          </a:p>
-          <a:p>
-            <a:pPr marL="0" indent="0" algn="ctr">
-              <a:buNone/>
-            </a:pPr>
-            <a:r>
-              <a:rPr lang="zh-TW" altLang="en-US" sz="5400" b="1" dirty="0">
-                <a:solidFill>
-                  <a:srgbClr val="002060"/>
-                </a:solidFill>
-                <a:latin typeface="Microsoft JhengHei" panose="020B0604030504040204" pitchFamily="34" charset="-120"/>
-                <a:ea typeface="Microsoft JhengHei" panose="020B0604030504040204" pitchFamily="34" charset="-120"/>
-              </a:rPr>
-              <a:t>離去罪惡住在主裏面</a:t>
-            </a:r>
-          </a:p>
-          <a:p>
-            <a:pPr marL="0" indent="0" algn="ctr">
-              <a:buNone/>
-            </a:pPr>
-            <a:r>
-              <a:rPr lang="zh-TW" altLang="en-US" sz="5400" b="1" dirty="0">
-                <a:solidFill>
-                  <a:srgbClr val="002060"/>
-                </a:solidFill>
-                <a:latin typeface="Microsoft JhengHei" panose="020B0604030504040204" pitchFamily="34" charset="-120"/>
-                <a:ea typeface="Microsoft JhengHei" panose="020B0604030504040204" pitchFamily="34" charset="-120"/>
-              </a:rPr>
-              <a:t>耶穌我來就你</a:t>
-            </a:r>
-          </a:p>
-        </p:txBody>
-      </p:sp>
-      <p:sp>
-        <p:nvSpPr>
-          <p:cNvPr id="6" name="Text Box 1"/>
+              <a:t>耶穌我來  耶穌我來</a:t>
+            </a:r>
+            <a:endParaRPr lang="en-US" altLang="zh-TW" sz="6400" b="1" dirty="0">
+              <a:solidFill>
+                <a:srgbClr val="660033"/>
+              </a:solidFill>
+              <a:latin typeface="Microsoft JhengHei" pitchFamily="34" charset="-120"/>
+              <a:ea typeface="Microsoft JhengHei" pitchFamily="34" charset="-120"/>
+            </a:endParaRPr>
+          </a:p>
+        </p:txBody>
+      </p:sp>
+      <p:sp>
+        <p:nvSpPr>
+          <p:cNvPr id="3" name="TextBox 2"/>
           <p:cNvSpPr txBox="1"/>
           <p:nvPr/>
         </p:nvSpPr>
         <p:spPr>
           <a:xfrm>
-            <a:off x="609600" y="1700808"/>
-            <a:ext cx="1380490" cy="923330"/>
+            <a:off x="0" y="5061182"/>
+            <a:ext cx="12192000" cy="830997"/>
           </a:xfrm>
           <a:prstGeom prst="rect">
             <a:avLst/>
           </a:prstGeom>
           <a:noFill/>
-          <a:ln w="9525">
-            <a:noFill/>
-            <a:miter lim="800000"/>
-          </a:ln>
         </p:spPr>
         <p:txBody>
-          <a:bodyPr wrap="square">
+          <a:bodyPr wrap="square" rtlCol="0">
             <a:spAutoFit/>
           </a:bodyPr>
           <a:lstStyle/>
           <a:p>
             <a:pPr algn="ctr"/>
             <a:r>
-              <a:rPr lang="en-US" sz="5400" b="1" dirty="0">
-                <a:solidFill>
-                  <a:srgbClr val="002060"/>
+              <a:rPr lang="en-US" sz="4800" b="1" dirty="0">
+                <a:solidFill>
+                  <a:srgbClr val="660033"/>
                 </a:solidFill>
               </a:rPr>
-              <a:t>1.</a:t>
-            </a:r>
+              <a:t>( 1 )</a:t>
+            </a:r>
+            <a:endParaRPr lang="vi-VN" sz="4800" b="1" dirty="0">
+              <a:solidFill>
+                <a:srgbClr val="660033"/>
+              </a:solidFill>
+            </a:endParaRPr>
           </a:p>
         </p:txBody>
       </p:sp>
     </p:spTree>
     <p:extLst>
       <p:ext uri="{BB962C8B-B14F-4D97-AF65-F5344CB8AC3E}">
-        <p14:creationId xmlns:p14="http://schemas.microsoft.com/office/powerpoint/2010/main" val="1397171770"/>
+        <p14:creationId xmlns:p14="http://schemas.microsoft.com/office/powerpoint/2010/main" val="1988246434"/>
       </p:ext>
     </p:extLst>
   </p:cSld>
   <p:clrMapOvr>
     <a:masterClrMapping/>
   </p:clrMapOvr>
+  <p:timing>
+    <p:tnLst>
+      <p:par>
+        <p:cTn id="1" dur="indefinite" restart="never" nodeType="tmRoot"/>
+      </p:par>
+    </p:tnLst>
+  </p:timing>
 </p:sld>
 </file>
 
@@ -4154,218 +4572,98 @@
       </p:grpSpPr>
       <p:sp>
         <p:nvSpPr>
-          <p:cNvPr id="4" name="Title 3"/>
-          <p:cNvSpPr>
-            <a:spLocks noGrp="1"/>
-          </p:cNvSpPr>
-          <p:nvPr>
-            <p:ph type="title"/>
-          </p:nvPr>
-        </p:nvSpPr>
-        <p:spPr/>
-        <p:txBody>
-          <a:bodyPr>
+          <p:cNvPr id="5" name="內容版面配置區 4"/>
+          <p:cNvSpPr>
+            <a:spLocks noGrp="1"/>
+          </p:cNvSpPr>
+          <p:nvPr>
+            <p:ph idx="1"/>
+          </p:nvPr>
+        </p:nvSpPr>
+        <p:spPr>
+          <a:xfrm>
+            <a:off x="0" y="2084851"/>
+            <a:ext cx="12192000" cy="2404863"/>
+          </a:xfrm>
+        </p:spPr>
+        <p:txBody>
+          <a:bodyPr anchor="ctr">
             <a:normAutofit/>
           </a:bodyPr>
           <a:lstStyle/>
           <a:p>
-            <a:r>
-              <a:rPr lang="en-US" altLang="zh-TW" sz="4800" b="1" dirty="0">
-                <a:solidFill>
-                  <a:srgbClr val="002060"/>
+            <a:pPr marL="0" indent="0" algn="ctr">
+              <a:buNone/>
+            </a:pPr>
+            <a:r>
+              <a:rPr lang="zh-TW" altLang="en-US" sz="6400" b="1" dirty="0">
+                <a:solidFill>
+                  <a:srgbClr val="660033"/>
                 </a:solidFill>
                 <a:latin typeface="Microsoft JhengHei" panose="020B0604030504040204" pitchFamily="34" charset="-120"/>
                 <a:ea typeface="Microsoft JhengHei" panose="020B0604030504040204" pitchFamily="34" charset="-120"/>
               </a:rPr>
-              <a:t>【</a:t>
-            </a:r>
-            <a:r>
-              <a:rPr lang="zh-TW" altLang="en-US" sz="4800" b="1" dirty="0">
-                <a:solidFill>
-                  <a:srgbClr val="002060"/>
+              <a:t>入主所賜歡樂與光明</a:t>
+            </a:r>
+          </a:p>
+          <a:p>
+            <a:pPr marL="0" indent="0" algn="ctr">
+              <a:buNone/>
+            </a:pPr>
+            <a:r>
+              <a:rPr lang="zh-TW" altLang="en-US" sz="6400" b="1" dirty="0">
+                <a:solidFill>
+                  <a:srgbClr val="660033"/>
                 </a:solidFill>
                 <a:latin typeface="Microsoft JhengHei" panose="020B0604030504040204" pitchFamily="34" charset="-120"/>
                 <a:ea typeface="Microsoft JhengHei" panose="020B0604030504040204" pitchFamily="34" charset="-120"/>
               </a:rPr>
               <a:t>耶穌我來就你</a:t>
             </a:r>
-            <a:r>
-              <a:rPr lang="en-US" altLang="zh-TW" sz="4800" b="1" dirty="0">
-                <a:solidFill>
-                  <a:srgbClr val="002060"/>
-                </a:solidFill>
-                <a:latin typeface="Microsoft JhengHei" panose="020B0604030504040204" pitchFamily="34" charset="-120"/>
-                <a:ea typeface="Microsoft JhengHei" panose="020B0604030504040204" pitchFamily="34" charset="-120"/>
-              </a:rPr>
-              <a:t>】</a:t>
-            </a:r>
-          </a:p>
-        </p:txBody>
-      </p:sp>
-      <p:sp>
-        <p:nvSpPr>
-          <p:cNvPr id="5" name="Content Placeholder 4"/>
-          <p:cNvSpPr>
-            <a:spLocks noGrp="1"/>
-          </p:cNvSpPr>
-          <p:nvPr>
-            <p:ph idx="1"/>
-          </p:nvPr>
-        </p:nvSpPr>
-        <p:spPr/>
-        <p:txBody>
-          <a:bodyPr>
-            <a:normAutofit/>
-          </a:bodyPr>
-          <a:lstStyle/>
-          <a:p>
-            <a:pPr marL="0" indent="0" algn="ctr">
-              <a:buNone/>
-            </a:pPr>
-            <a:r>
-              <a:rPr lang="zh-TW" altLang="en-US" sz="5400" b="1" dirty="0">
-                <a:solidFill>
-                  <a:srgbClr val="002060"/>
-                </a:solidFill>
-                <a:latin typeface="Microsoft JhengHei" panose="020B0604030504040204" pitchFamily="34" charset="-120"/>
-                <a:ea typeface="Microsoft JhengHei" panose="020B0604030504040204" pitchFamily="34" charset="-120"/>
-              </a:rPr>
-              <a:t>離去羞恥驕傲及妒忌</a:t>
-            </a:r>
-          </a:p>
-          <a:p>
-            <a:pPr marL="0" indent="0" algn="ctr">
-              <a:buNone/>
-            </a:pPr>
-            <a:r>
-              <a:rPr lang="zh-TW" altLang="en-US" sz="5400" b="1" dirty="0">
-                <a:solidFill>
-                  <a:srgbClr val="002060"/>
-                </a:solidFill>
-                <a:latin typeface="Microsoft JhengHei" panose="020B0604030504040204" pitchFamily="34" charset="-120"/>
-                <a:ea typeface="Microsoft JhengHei" panose="020B0604030504040204" pitchFamily="34" charset="-120"/>
-              </a:rPr>
-              <a:t>耶穌我來  </a:t>
-            </a:r>
-            <a:r>
-              <a:rPr lang="zh-TW" altLang="en-US" sz="5400" b="1" dirty="0" smtClean="0">
-                <a:solidFill>
-                  <a:srgbClr val="002060"/>
-                </a:solidFill>
-                <a:latin typeface="Microsoft JhengHei" panose="020B0604030504040204" pitchFamily="34" charset="-120"/>
-                <a:ea typeface="Microsoft JhengHei" panose="020B0604030504040204" pitchFamily="34" charset="-120"/>
-              </a:rPr>
-              <a:t>耶</a:t>
-            </a:r>
-            <a:r>
-              <a:rPr lang="zh-TW" altLang="en-US" sz="5400" b="1" dirty="0">
-                <a:solidFill>
-                  <a:srgbClr val="002060"/>
-                </a:solidFill>
-                <a:latin typeface="Microsoft JhengHei" panose="020B0604030504040204" pitchFamily="34" charset="-120"/>
-                <a:ea typeface="Microsoft JhengHei" panose="020B0604030504040204" pitchFamily="34" charset="-120"/>
-              </a:rPr>
-              <a:t>穌我來</a:t>
-            </a:r>
-          </a:p>
-          <a:p>
-            <a:pPr marL="0" indent="0" algn="ctr">
-              <a:buNone/>
-            </a:pPr>
-            <a:r>
-              <a:rPr lang="zh-TW" altLang="en-US" sz="5400" b="1" dirty="0">
-                <a:solidFill>
-                  <a:srgbClr val="002060"/>
-                </a:solidFill>
-                <a:latin typeface="Microsoft JhengHei" panose="020B0604030504040204" pitchFamily="34" charset="-120"/>
-                <a:ea typeface="Microsoft JhengHei" panose="020B0604030504040204" pitchFamily="34" charset="-120"/>
-              </a:rPr>
-              <a:t>背十字架順服主旨意</a:t>
-            </a:r>
-          </a:p>
-          <a:p>
-            <a:pPr marL="0" indent="0" algn="ctr">
-              <a:buNone/>
-            </a:pPr>
-            <a:r>
-              <a:rPr lang="zh-TW" altLang="en-US" sz="5400" b="1" dirty="0">
-                <a:solidFill>
-                  <a:srgbClr val="002060"/>
-                </a:solidFill>
-                <a:latin typeface="Microsoft JhengHei" panose="020B0604030504040204" pitchFamily="34" charset="-120"/>
-                <a:ea typeface="Microsoft JhengHei" panose="020B0604030504040204" pitchFamily="34" charset="-120"/>
-              </a:rPr>
-              <a:t>耶穌我來  </a:t>
-            </a:r>
-            <a:r>
-              <a:rPr lang="zh-TW" altLang="en-US" sz="5400" b="1" dirty="0" smtClean="0">
-                <a:solidFill>
-                  <a:srgbClr val="002060"/>
-                </a:solidFill>
-                <a:latin typeface="Microsoft JhengHei" panose="020B0604030504040204" pitchFamily="34" charset="-120"/>
-                <a:ea typeface="Microsoft JhengHei" panose="020B0604030504040204" pitchFamily="34" charset="-120"/>
-              </a:rPr>
-              <a:t>就</a:t>
-            </a:r>
-            <a:r>
-              <a:rPr lang="zh-TW" altLang="en-US" sz="5400" b="1" dirty="0">
-                <a:solidFill>
-                  <a:srgbClr val="002060"/>
-                </a:solidFill>
-                <a:latin typeface="Microsoft JhengHei" panose="020B0604030504040204" pitchFamily="34" charset="-120"/>
-                <a:ea typeface="Microsoft JhengHei" panose="020B0604030504040204" pitchFamily="34" charset="-120"/>
-              </a:rPr>
-              <a:t>你</a:t>
-            </a:r>
-          </a:p>
-        </p:txBody>
-      </p:sp>
-      <p:sp>
-        <p:nvSpPr>
-          <p:cNvPr id="6" name="Text Box 1"/>
+            <a:endParaRPr lang="zh-TW" altLang="en-US" sz="6400" b="1" dirty="0">
+              <a:solidFill>
+                <a:srgbClr val="660033"/>
+              </a:solidFill>
+              <a:latin typeface="Microsoft JhengHei" panose="020B0604030504040204" pitchFamily="34" charset="-120"/>
+              <a:ea typeface="Microsoft JhengHei" panose="020B0604030504040204" pitchFamily="34" charset="-120"/>
+            </a:endParaRPr>
+          </a:p>
+        </p:txBody>
+      </p:sp>
+      <p:sp>
+        <p:nvSpPr>
+          <p:cNvPr id="3" name="TextBox 2"/>
           <p:cNvSpPr txBox="1"/>
           <p:nvPr/>
         </p:nvSpPr>
         <p:spPr>
           <a:xfrm>
-            <a:off x="609600" y="1700808"/>
-            <a:ext cx="1380490" cy="923330"/>
+            <a:off x="0" y="5061182"/>
+            <a:ext cx="12192000" cy="830997"/>
           </a:xfrm>
           <a:prstGeom prst="rect">
             <a:avLst/>
           </a:prstGeom>
           <a:noFill/>
-          <a:ln w="9525">
-            <a:noFill/>
-            <a:miter lim="800000"/>
-          </a:ln>
         </p:spPr>
         <p:txBody>
-          <a:bodyPr wrap="square">
+          <a:bodyPr wrap="square" rtlCol="0">
             <a:spAutoFit/>
           </a:bodyPr>
           <a:lstStyle/>
           <a:p>
             <a:pPr algn="ctr"/>
             <a:r>
-              <a:rPr lang="en-US" sz="5400" b="1" dirty="0">
-                <a:solidFill>
-                  <a:srgbClr val="002060"/>
+              <a:rPr lang="en-US" sz="4800" b="1" dirty="0">
+                <a:solidFill>
+                  <a:srgbClr val="660033"/>
                 </a:solidFill>
               </a:rPr>
-              <a:t>2</a:t>
-            </a:r>
-            <a:r>
-              <a:rPr lang="en-US" sz="5400" b="1" dirty="0" smtClean="0">
-                <a:solidFill>
-                  <a:srgbClr val="002060"/>
-                </a:solidFill>
-              </a:rPr>
-              <a:t>.</a:t>
-            </a:r>
-            <a:endParaRPr lang="en-US" sz="5400" b="1" dirty="0">
+              <a:t>( 1 )</a:t>
+            </a:r>
+            <a:endParaRPr lang="vi-VN" sz="4800" b="1" dirty="0">
               <a:solidFill>
-                <a:srgbClr val="002060"/>
+                <a:srgbClr val="660033"/>
               </a:solidFill>
             </a:endParaRPr>
           </a:p>
@@ -4374,13 +4672,20 @@
     </p:spTree>
     <p:extLst>
       <p:ext uri="{BB962C8B-B14F-4D97-AF65-F5344CB8AC3E}">
-        <p14:creationId xmlns:p14="http://schemas.microsoft.com/office/powerpoint/2010/main" val="2939959696"/>
+        <p14:creationId xmlns:p14="http://schemas.microsoft.com/office/powerpoint/2010/main" val="1698026188"/>
       </p:ext>
     </p:extLst>
   </p:cSld>
   <p:clrMapOvr>
     <a:masterClrMapping/>
   </p:clrMapOvr>
+  <p:timing>
+    <p:tnLst>
+      <p:par>
+        <p:cTn id="1" dur="indefinite" restart="never" nodeType="tmRoot"/>
+      </p:par>
+    </p:tnLst>
+  </p:timing>
 </p:sld>
 </file>
 
@@ -4403,198 +4708,98 @@
       </p:grpSpPr>
       <p:sp>
         <p:nvSpPr>
-          <p:cNvPr id="4" name="Title 3"/>
-          <p:cNvSpPr>
-            <a:spLocks noGrp="1"/>
-          </p:cNvSpPr>
-          <p:nvPr>
-            <p:ph type="title"/>
-          </p:nvPr>
-        </p:nvSpPr>
-        <p:spPr/>
-        <p:txBody>
-          <a:bodyPr>
+          <p:cNvPr id="5" name="內容版面配置區 4"/>
+          <p:cNvSpPr>
+            <a:spLocks noGrp="1"/>
+          </p:cNvSpPr>
+          <p:nvPr>
+            <p:ph idx="1"/>
+          </p:nvPr>
+        </p:nvSpPr>
+        <p:spPr>
+          <a:xfrm>
+            <a:off x="0" y="2084851"/>
+            <a:ext cx="12192000" cy="2404863"/>
+          </a:xfrm>
+        </p:spPr>
+        <p:txBody>
+          <a:bodyPr anchor="ctr">
             <a:normAutofit/>
           </a:bodyPr>
           <a:lstStyle/>
           <a:p>
-            <a:r>
-              <a:rPr lang="en-US" altLang="zh-TW" sz="4800" b="1" dirty="0">
-                <a:solidFill>
-                  <a:srgbClr val="002060"/>
+            <a:pPr marL="0" indent="0" algn="ctr">
+              <a:buNone/>
+            </a:pPr>
+            <a:r>
+              <a:rPr lang="zh-TW" altLang="en-US" sz="6400" b="1" dirty="0">
+                <a:solidFill>
+                  <a:srgbClr val="660033"/>
                 </a:solidFill>
                 <a:latin typeface="Microsoft JhengHei" panose="020B0604030504040204" pitchFamily="34" charset="-120"/>
                 <a:ea typeface="Microsoft JhengHei" panose="020B0604030504040204" pitchFamily="34" charset="-120"/>
               </a:rPr>
-              <a:t>【</a:t>
-            </a:r>
-            <a:r>
-              <a:rPr lang="zh-TW" altLang="en-US" sz="4800" b="1" dirty="0">
-                <a:solidFill>
-                  <a:srgbClr val="002060"/>
+              <a:t>離去束縛入主之安寧</a:t>
+            </a:r>
+          </a:p>
+          <a:p>
+            <a:pPr marL="0" indent="0" algn="ctr">
+              <a:buNone/>
+            </a:pPr>
+            <a:r>
+              <a:rPr lang="zh-TW" altLang="en-US" sz="6400" b="1" dirty="0">
+                <a:solidFill>
+                  <a:srgbClr val="660033"/>
                 </a:solidFill>
                 <a:latin typeface="Microsoft JhengHei" panose="020B0604030504040204" pitchFamily="34" charset="-120"/>
                 <a:ea typeface="Microsoft JhengHei" panose="020B0604030504040204" pitchFamily="34" charset="-120"/>
               </a:rPr>
-              <a:t>耶穌我來就你</a:t>
-            </a:r>
-            <a:r>
-              <a:rPr lang="en-US" altLang="zh-TW" sz="4800" b="1" dirty="0">
-                <a:solidFill>
-                  <a:srgbClr val="002060"/>
-                </a:solidFill>
-                <a:latin typeface="Microsoft JhengHei" panose="020B0604030504040204" pitchFamily="34" charset="-120"/>
-                <a:ea typeface="Microsoft JhengHei" panose="020B0604030504040204" pitchFamily="34" charset="-120"/>
-              </a:rPr>
-              <a:t>】</a:t>
-            </a:r>
-          </a:p>
-        </p:txBody>
-      </p:sp>
-      <p:sp>
-        <p:nvSpPr>
-          <p:cNvPr id="5" name="Content Placeholder 4"/>
-          <p:cNvSpPr>
-            <a:spLocks noGrp="1"/>
-          </p:cNvSpPr>
-          <p:nvPr>
-            <p:ph idx="1"/>
-          </p:nvPr>
-        </p:nvSpPr>
-        <p:spPr/>
-        <p:txBody>
-          <a:bodyPr>
-            <a:normAutofit/>
-          </a:bodyPr>
-          <a:lstStyle/>
-          <a:p>
-            <a:pPr marL="0" indent="0" algn="ctr">
-              <a:buNone/>
-            </a:pPr>
-            <a:r>
-              <a:rPr lang="zh-TW" altLang="en-US" sz="5400" b="1" dirty="0">
-                <a:solidFill>
-                  <a:srgbClr val="002060"/>
-                </a:solidFill>
-                <a:latin typeface="Microsoft JhengHei" panose="020B0604030504040204" pitchFamily="34" charset="-120"/>
-                <a:ea typeface="Microsoft JhengHei" panose="020B0604030504040204" pitchFamily="34" charset="-120"/>
-              </a:rPr>
-              <a:t>離去怨歎讚美主恩深</a:t>
-            </a:r>
-          </a:p>
-          <a:p>
-            <a:pPr marL="0" indent="0" algn="ctr">
-              <a:buNone/>
-            </a:pPr>
-            <a:r>
-              <a:rPr lang="zh-TW" altLang="en-US" sz="5400" b="1" dirty="0">
-                <a:solidFill>
-                  <a:srgbClr val="002060"/>
-                </a:solidFill>
-                <a:latin typeface="Microsoft JhengHei" panose="020B0604030504040204" pitchFamily="34" charset="-120"/>
-                <a:ea typeface="Microsoft JhengHei" panose="020B0604030504040204" pitchFamily="34" charset="-120"/>
-              </a:rPr>
-              <a:t>離去絕望歡候主再臨</a:t>
-            </a:r>
-          </a:p>
-          <a:p>
-            <a:pPr marL="0" indent="0" algn="ctr">
-              <a:buNone/>
-            </a:pPr>
-            <a:r>
-              <a:rPr lang="zh-TW" altLang="en-US" sz="5400" b="1" dirty="0">
-                <a:solidFill>
-                  <a:srgbClr val="002060"/>
-                </a:solidFill>
-                <a:latin typeface="Microsoft JhengHei" panose="020B0604030504040204" pitchFamily="34" charset="-120"/>
-                <a:ea typeface="Microsoft JhengHei" panose="020B0604030504040204" pitchFamily="34" charset="-120"/>
-              </a:rPr>
-              <a:t>如鳥</a:t>
-            </a:r>
-            <a:r>
-              <a:rPr lang="zh-CN" altLang="en-US" sz="5400" b="1" dirty="0">
-                <a:solidFill>
-                  <a:srgbClr val="002060"/>
-                </a:solidFill>
-                <a:latin typeface="Microsoft JhengHei" panose="020B0604030504040204" pitchFamily="34" charset="-120"/>
-                <a:ea typeface="Microsoft JhengHei" panose="020B0604030504040204" pitchFamily="34" charset="-120"/>
-              </a:rPr>
-              <a:t>生</a:t>
-            </a:r>
-            <a:r>
-              <a:rPr lang="zh-TW" altLang="en-US" sz="5400" b="1" dirty="0">
-                <a:solidFill>
-                  <a:srgbClr val="002060"/>
-                </a:solidFill>
-                <a:latin typeface="Microsoft JhengHei" panose="020B0604030504040204" pitchFamily="34" charset="-120"/>
-                <a:ea typeface="Microsoft JhengHei" panose="020B0604030504040204" pitchFamily="34" charset="-120"/>
-              </a:rPr>
-              <a:t>翼永遠能奮興</a:t>
-            </a:r>
-          </a:p>
-          <a:p>
-            <a:pPr marL="0" indent="0" algn="ctr">
-              <a:buNone/>
-            </a:pPr>
-            <a:r>
-              <a:rPr lang="zh-TW" altLang="en-US" sz="5400" b="1" dirty="0">
-                <a:solidFill>
-                  <a:srgbClr val="002060"/>
-                </a:solidFill>
-                <a:latin typeface="Microsoft JhengHei" panose="020B0604030504040204" pitchFamily="34" charset="-120"/>
-                <a:ea typeface="Microsoft JhengHei" panose="020B0604030504040204" pitchFamily="34" charset="-120"/>
-              </a:rPr>
-              <a:t>耶穌我來就你</a:t>
-            </a:r>
-          </a:p>
-        </p:txBody>
-      </p:sp>
-      <p:sp>
-        <p:nvSpPr>
-          <p:cNvPr id="6" name="Text Box 1"/>
+              <a:t>離去缺乏入主之充盈</a:t>
+            </a:r>
+            <a:endParaRPr lang="zh-TW" altLang="en-US" sz="6400" b="1" dirty="0">
+              <a:solidFill>
+                <a:srgbClr val="660033"/>
+              </a:solidFill>
+              <a:latin typeface="Microsoft JhengHei" panose="020B0604030504040204" pitchFamily="34" charset="-120"/>
+              <a:ea typeface="Microsoft JhengHei" panose="020B0604030504040204" pitchFamily="34" charset="-120"/>
+            </a:endParaRPr>
+          </a:p>
+        </p:txBody>
+      </p:sp>
+      <p:sp>
+        <p:nvSpPr>
+          <p:cNvPr id="3" name="TextBox 2"/>
           <p:cNvSpPr txBox="1"/>
           <p:nvPr/>
         </p:nvSpPr>
         <p:spPr>
           <a:xfrm>
-            <a:off x="609600" y="1700808"/>
-            <a:ext cx="1380490" cy="923330"/>
+            <a:off x="0" y="5061182"/>
+            <a:ext cx="12192000" cy="830997"/>
           </a:xfrm>
           <a:prstGeom prst="rect">
             <a:avLst/>
           </a:prstGeom>
           <a:noFill/>
-          <a:ln w="9525">
-            <a:noFill/>
-            <a:miter lim="800000"/>
-          </a:ln>
         </p:spPr>
         <p:txBody>
-          <a:bodyPr wrap="square">
+          <a:bodyPr wrap="square" rtlCol="0">
             <a:spAutoFit/>
           </a:bodyPr>
           <a:lstStyle/>
           <a:p>
             <a:pPr algn="ctr"/>
             <a:r>
-              <a:rPr lang="en-US" sz="5400" b="1" dirty="0">
-                <a:solidFill>
-                  <a:srgbClr val="002060"/>
+              <a:rPr lang="en-US" sz="4800" b="1" dirty="0">
+                <a:solidFill>
+                  <a:srgbClr val="660033"/>
                 </a:solidFill>
               </a:rPr>
-              <a:t>2</a:t>
-            </a:r>
-            <a:r>
-              <a:rPr lang="en-US" sz="5400" b="1" dirty="0" smtClean="0">
-                <a:solidFill>
-                  <a:srgbClr val="002060"/>
-                </a:solidFill>
-              </a:rPr>
-              <a:t>.</a:t>
-            </a:r>
-            <a:endParaRPr lang="en-US" sz="5400" b="1" dirty="0">
+              <a:t>( 1 )</a:t>
+            </a:r>
+            <a:endParaRPr lang="vi-VN" sz="4800" b="1" dirty="0">
               <a:solidFill>
-                <a:srgbClr val="002060"/>
+                <a:srgbClr val="660033"/>
               </a:solidFill>
             </a:endParaRPr>
           </a:p>
@@ -4603,13 +4808,20 @@
     </p:spTree>
     <p:extLst>
       <p:ext uri="{BB962C8B-B14F-4D97-AF65-F5344CB8AC3E}">
-        <p14:creationId xmlns:p14="http://schemas.microsoft.com/office/powerpoint/2010/main" val="2691082333"/>
+        <p14:creationId xmlns:p14="http://schemas.microsoft.com/office/powerpoint/2010/main" val="72002789"/>
       </p:ext>
     </p:extLst>
   </p:cSld>
   <p:clrMapOvr>
     <a:masterClrMapping/>
   </p:clrMapOvr>
+  <p:timing>
+    <p:tnLst>
+      <p:par>
+        <p:cTn id="1" dur="indefinite" restart="never" nodeType="tmRoot"/>
+      </p:par>
+    </p:tnLst>
+  </p:timing>
 </p:sld>
 </file>
 
@@ -4632,218 +4844,98 @@
       </p:grpSpPr>
       <p:sp>
         <p:nvSpPr>
-          <p:cNvPr id="4" name="Title 3"/>
-          <p:cNvSpPr>
-            <a:spLocks noGrp="1"/>
-          </p:cNvSpPr>
-          <p:nvPr>
-            <p:ph type="title"/>
-          </p:nvPr>
-        </p:nvSpPr>
-        <p:spPr/>
-        <p:txBody>
-          <a:bodyPr>
+          <p:cNvPr id="5" name="內容版面配置區 4"/>
+          <p:cNvSpPr>
+            <a:spLocks noGrp="1"/>
+          </p:cNvSpPr>
+          <p:nvPr>
+            <p:ph idx="1"/>
+          </p:nvPr>
+        </p:nvSpPr>
+        <p:spPr>
+          <a:xfrm>
+            <a:off x="0" y="2084851"/>
+            <a:ext cx="12192000" cy="2404863"/>
+          </a:xfrm>
+        </p:spPr>
+        <p:txBody>
+          <a:bodyPr anchor="ctr">
             <a:normAutofit/>
           </a:bodyPr>
           <a:lstStyle/>
           <a:p>
-            <a:r>
-              <a:rPr lang="en-US" altLang="zh-TW" sz="4800" b="1" dirty="0">
-                <a:solidFill>
-                  <a:srgbClr val="002060"/>
+            <a:pPr marL="0" indent="0" algn="ctr">
+              <a:buNone/>
+            </a:pPr>
+            <a:r>
+              <a:rPr lang="zh-TW" altLang="en-US" sz="6400" b="1" dirty="0">
+                <a:solidFill>
+                  <a:srgbClr val="660033"/>
                 </a:solidFill>
                 <a:latin typeface="Microsoft JhengHei" panose="020B0604030504040204" pitchFamily="34" charset="-120"/>
                 <a:ea typeface="Microsoft JhengHei" panose="020B0604030504040204" pitchFamily="34" charset="-120"/>
               </a:rPr>
-              <a:t>【</a:t>
-            </a:r>
-            <a:r>
-              <a:rPr lang="zh-TW" altLang="en-US" sz="4800" b="1" dirty="0">
-                <a:solidFill>
-                  <a:srgbClr val="002060"/>
+              <a:t>離去罪惡住在主裏面</a:t>
+            </a:r>
+          </a:p>
+          <a:p>
+            <a:pPr marL="0" indent="0" algn="ctr">
+              <a:buNone/>
+            </a:pPr>
+            <a:r>
+              <a:rPr lang="zh-TW" altLang="en-US" sz="6400" b="1" dirty="0">
+                <a:solidFill>
+                  <a:srgbClr val="660033"/>
                 </a:solidFill>
                 <a:latin typeface="Microsoft JhengHei" panose="020B0604030504040204" pitchFamily="34" charset="-120"/>
                 <a:ea typeface="Microsoft JhengHei" panose="020B0604030504040204" pitchFamily="34" charset="-120"/>
               </a:rPr>
               <a:t>耶穌我來就你</a:t>
             </a:r>
-            <a:r>
-              <a:rPr lang="en-US" altLang="zh-TW" sz="4800" b="1" dirty="0">
-                <a:solidFill>
-                  <a:srgbClr val="002060"/>
-                </a:solidFill>
-                <a:latin typeface="Microsoft JhengHei" panose="020B0604030504040204" pitchFamily="34" charset="-120"/>
-                <a:ea typeface="Microsoft JhengHei" panose="020B0604030504040204" pitchFamily="34" charset="-120"/>
-              </a:rPr>
-              <a:t>】</a:t>
-            </a:r>
-          </a:p>
-        </p:txBody>
-      </p:sp>
-      <p:sp>
-        <p:nvSpPr>
-          <p:cNvPr id="5" name="Content Placeholder 4"/>
-          <p:cNvSpPr>
-            <a:spLocks noGrp="1"/>
-          </p:cNvSpPr>
-          <p:nvPr>
-            <p:ph idx="1"/>
-          </p:nvPr>
-        </p:nvSpPr>
-        <p:spPr/>
-        <p:txBody>
-          <a:bodyPr>
-            <a:normAutofit/>
-          </a:bodyPr>
-          <a:lstStyle/>
-          <a:p>
-            <a:pPr marL="0" indent="0" algn="ctr">
-              <a:buNone/>
-            </a:pPr>
-            <a:r>
-              <a:rPr lang="zh-TW" altLang="en-US" sz="5400" b="1" dirty="0">
-                <a:solidFill>
-                  <a:srgbClr val="002060"/>
-                </a:solidFill>
-                <a:latin typeface="Microsoft JhengHei" panose="020B0604030504040204" pitchFamily="34" charset="-120"/>
-                <a:ea typeface="Microsoft JhengHei" panose="020B0604030504040204" pitchFamily="34" charset="-120"/>
-              </a:rPr>
-              <a:t>離去墳墓黑暗的驚慌</a:t>
-            </a:r>
-          </a:p>
-          <a:p>
-            <a:pPr marL="0" indent="0" algn="ctr">
-              <a:buNone/>
-            </a:pPr>
-            <a:r>
-              <a:rPr lang="zh-TW" altLang="en-US" sz="5400" b="1" dirty="0">
-                <a:solidFill>
-                  <a:srgbClr val="002060"/>
-                </a:solidFill>
-                <a:latin typeface="Microsoft JhengHei" panose="020B0604030504040204" pitchFamily="34" charset="-120"/>
-                <a:ea typeface="Microsoft JhengHei" panose="020B0604030504040204" pitchFamily="34" charset="-120"/>
-              </a:rPr>
-              <a:t>耶穌我來  </a:t>
-            </a:r>
-            <a:r>
-              <a:rPr lang="zh-TW" altLang="en-US" sz="5400" b="1" dirty="0">
-                <a:solidFill>
-                  <a:srgbClr val="002060"/>
-                </a:solidFill>
-                <a:latin typeface="Microsoft JhengHei" panose="020B0604030504040204" pitchFamily="34" charset="-120"/>
-                <a:ea typeface="Microsoft JhengHei" panose="020B0604030504040204" pitchFamily="34" charset="-120"/>
-              </a:rPr>
-              <a:t>耶</a:t>
-            </a:r>
-            <a:r>
-              <a:rPr lang="zh-TW" altLang="en-US" sz="5400" b="1" dirty="0">
-                <a:solidFill>
-                  <a:srgbClr val="002060"/>
-                </a:solidFill>
-                <a:latin typeface="Microsoft JhengHei" panose="020B0604030504040204" pitchFamily="34" charset="-120"/>
-                <a:ea typeface="Microsoft JhengHei" panose="020B0604030504040204" pitchFamily="34" charset="-120"/>
-              </a:rPr>
-              <a:t>穌我來</a:t>
-            </a:r>
-          </a:p>
-          <a:p>
-            <a:pPr marL="0" indent="0" algn="ctr">
-              <a:buNone/>
-            </a:pPr>
-            <a:r>
-              <a:rPr lang="zh-TW" altLang="en-US" sz="5400" b="1" dirty="0">
-                <a:solidFill>
-                  <a:srgbClr val="002060"/>
-                </a:solidFill>
-                <a:latin typeface="Microsoft JhengHei" panose="020B0604030504040204" pitchFamily="34" charset="-120"/>
-                <a:ea typeface="Microsoft JhengHei" panose="020B0604030504040204" pitchFamily="34" charset="-120"/>
-              </a:rPr>
-              <a:t>入主明宮快樂與榮光</a:t>
-            </a:r>
-          </a:p>
-          <a:p>
-            <a:pPr marL="0" indent="0" algn="ctr">
-              <a:buNone/>
-            </a:pPr>
-            <a:r>
-              <a:rPr lang="zh-TW" altLang="en-US" sz="5400" b="1" dirty="0">
-                <a:solidFill>
-                  <a:srgbClr val="002060"/>
-                </a:solidFill>
-                <a:latin typeface="Microsoft JhengHei" panose="020B0604030504040204" pitchFamily="34" charset="-120"/>
-                <a:ea typeface="Microsoft JhengHei" panose="020B0604030504040204" pitchFamily="34" charset="-120"/>
-              </a:rPr>
-              <a:t>耶穌我</a:t>
-            </a:r>
-            <a:r>
-              <a:rPr lang="zh-TW" altLang="en-US" sz="5400" b="1" dirty="0">
-                <a:solidFill>
-                  <a:srgbClr val="002060"/>
-                </a:solidFill>
-                <a:latin typeface="Microsoft JhengHei" panose="020B0604030504040204" pitchFamily="34" charset="-120"/>
-                <a:ea typeface="Microsoft JhengHei" panose="020B0604030504040204" pitchFamily="34" charset="-120"/>
-              </a:rPr>
-              <a:t>來  </a:t>
-            </a:r>
-            <a:r>
-              <a:rPr lang="zh-TW" altLang="en-US" sz="5400" b="1" dirty="0">
-                <a:solidFill>
-                  <a:srgbClr val="002060"/>
-                </a:solidFill>
-                <a:latin typeface="Microsoft JhengHei" panose="020B0604030504040204" pitchFamily="34" charset="-120"/>
-                <a:ea typeface="Microsoft JhengHei" panose="020B0604030504040204" pitchFamily="34" charset="-120"/>
-              </a:rPr>
-              <a:t>就你</a:t>
-            </a:r>
-          </a:p>
-        </p:txBody>
-      </p:sp>
-      <p:sp>
-        <p:nvSpPr>
-          <p:cNvPr id="6" name="Text Box 1"/>
+            <a:endParaRPr lang="zh-TW" altLang="en-US" sz="6400" b="1" dirty="0">
+              <a:solidFill>
+                <a:srgbClr val="660033"/>
+              </a:solidFill>
+              <a:latin typeface="Microsoft JhengHei" panose="020B0604030504040204" pitchFamily="34" charset="-120"/>
+              <a:ea typeface="Microsoft JhengHei" panose="020B0604030504040204" pitchFamily="34" charset="-120"/>
+            </a:endParaRPr>
+          </a:p>
+        </p:txBody>
+      </p:sp>
+      <p:sp>
+        <p:nvSpPr>
+          <p:cNvPr id="3" name="TextBox 2"/>
           <p:cNvSpPr txBox="1"/>
           <p:nvPr/>
         </p:nvSpPr>
         <p:spPr>
           <a:xfrm>
-            <a:off x="609600" y="1700808"/>
-            <a:ext cx="1380490" cy="923330"/>
+            <a:off x="0" y="5061182"/>
+            <a:ext cx="12192000" cy="830997"/>
           </a:xfrm>
           <a:prstGeom prst="rect">
             <a:avLst/>
           </a:prstGeom>
           <a:noFill/>
-          <a:ln w="9525">
-            <a:noFill/>
-            <a:miter lim="800000"/>
-          </a:ln>
         </p:spPr>
         <p:txBody>
-          <a:bodyPr wrap="square">
+          <a:bodyPr wrap="square" rtlCol="0">
             <a:spAutoFit/>
           </a:bodyPr>
           <a:lstStyle/>
           <a:p>
             <a:pPr algn="ctr"/>
             <a:r>
-              <a:rPr lang="en-US" sz="5400" b="1" dirty="0">
-                <a:solidFill>
-                  <a:srgbClr val="002060"/>
+              <a:rPr lang="en-US" sz="4800" b="1" dirty="0">
+                <a:solidFill>
+                  <a:srgbClr val="660033"/>
                 </a:solidFill>
               </a:rPr>
-              <a:t>3</a:t>
-            </a:r>
-            <a:r>
-              <a:rPr lang="en-US" sz="5400" b="1" dirty="0" smtClean="0">
-                <a:solidFill>
-                  <a:srgbClr val="002060"/>
-                </a:solidFill>
-              </a:rPr>
-              <a:t>.</a:t>
-            </a:r>
-            <a:endParaRPr lang="en-US" sz="5400" b="1" dirty="0">
+              <a:t>( 1 )</a:t>
+            </a:r>
+            <a:endParaRPr lang="vi-VN" sz="4800" b="1" dirty="0">
               <a:solidFill>
-                <a:srgbClr val="002060"/>
+                <a:srgbClr val="660033"/>
               </a:solidFill>
             </a:endParaRPr>
           </a:p>
@@ -4852,13 +4944,20 @@
     </p:spTree>
     <p:extLst>
       <p:ext uri="{BB962C8B-B14F-4D97-AF65-F5344CB8AC3E}">
-        <p14:creationId xmlns:p14="http://schemas.microsoft.com/office/powerpoint/2010/main" val="3982202870"/>
+        <p14:creationId xmlns:p14="http://schemas.microsoft.com/office/powerpoint/2010/main" val="3893633276"/>
       </p:ext>
     </p:extLst>
   </p:cSld>
   <p:clrMapOvr>
     <a:masterClrMapping/>
   </p:clrMapOvr>
+  <p:timing>
+    <p:tnLst>
+      <p:par>
+        <p:cTn id="1" dur="indefinite" restart="never" nodeType="tmRoot"/>
+      </p:par>
+    </p:tnLst>
+  </p:timing>
 </p:sld>
 </file>
 
@@ -4881,178 +4980,98 @@
       </p:grpSpPr>
       <p:sp>
         <p:nvSpPr>
-          <p:cNvPr id="4" name="Title 3"/>
-          <p:cNvSpPr>
-            <a:spLocks noGrp="1"/>
-          </p:cNvSpPr>
-          <p:nvPr>
-            <p:ph type="title"/>
-          </p:nvPr>
-        </p:nvSpPr>
-        <p:spPr/>
-        <p:txBody>
-          <a:bodyPr>
+          <p:cNvPr id="5" name="內容版面配置區 4"/>
+          <p:cNvSpPr>
+            <a:spLocks noGrp="1"/>
+          </p:cNvSpPr>
+          <p:nvPr>
+            <p:ph idx="1"/>
+          </p:nvPr>
+        </p:nvSpPr>
+        <p:spPr>
+          <a:xfrm>
+            <a:off x="0" y="2084851"/>
+            <a:ext cx="12192000" cy="2404863"/>
+          </a:xfrm>
+        </p:spPr>
+        <p:txBody>
+          <a:bodyPr anchor="ctr">
             <a:normAutofit/>
           </a:bodyPr>
           <a:lstStyle/>
           <a:p>
-            <a:r>
-              <a:rPr lang="en-US" altLang="zh-TW" sz="4800" b="1" dirty="0">
-                <a:solidFill>
-                  <a:srgbClr val="002060"/>
+            <a:pPr marL="0" indent="0" algn="ctr">
+              <a:buNone/>
+            </a:pPr>
+            <a:r>
+              <a:rPr lang="zh-TW" altLang="en-US" sz="6400" b="1" dirty="0">
+                <a:solidFill>
+                  <a:srgbClr val="660033"/>
                 </a:solidFill>
                 <a:latin typeface="Microsoft JhengHei" panose="020B0604030504040204" pitchFamily="34" charset="-120"/>
                 <a:ea typeface="Microsoft JhengHei" panose="020B0604030504040204" pitchFamily="34" charset="-120"/>
               </a:rPr>
-              <a:t>【</a:t>
-            </a:r>
-            <a:r>
-              <a:rPr lang="zh-TW" altLang="en-US" sz="4800" b="1" dirty="0">
-                <a:solidFill>
-                  <a:srgbClr val="002060"/>
+              <a:t>離去羞恥驕傲及妒忌</a:t>
+            </a:r>
+          </a:p>
+          <a:p>
+            <a:pPr marL="0" indent="0" algn="ctr">
+              <a:buNone/>
+            </a:pPr>
+            <a:r>
+              <a:rPr lang="zh-TW" altLang="en-US" sz="6400" b="1" dirty="0">
+                <a:solidFill>
+                  <a:srgbClr val="660033"/>
                 </a:solidFill>
                 <a:latin typeface="Microsoft JhengHei" panose="020B0604030504040204" pitchFamily="34" charset="-120"/>
                 <a:ea typeface="Microsoft JhengHei" panose="020B0604030504040204" pitchFamily="34" charset="-120"/>
               </a:rPr>
-              <a:t>耶穌我來就你</a:t>
-            </a:r>
-            <a:r>
-              <a:rPr lang="en-US" altLang="zh-TW" sz="4800" b="1" dirty="0">
-                <a:solidFill>
-                  <a:srgbClr val="002060"/>
-                </a:solidFill>
-                <a:latin typeface="Microsoft JhengHei" panose="020B0604030504040204" pitchFamily="34" charset="-120"/>
-                <a:ea typeface="Microsoft JhengHei" panose="020B0604030504040204" pitchFamily="34" charset="-120"/>
-              </a:rPr>
-              <a:t>】</a:t>
-            </a:r>
-          </a:p>
-        </p:txBody>
-      </p:sp>
-      <p:sp>
-        <p:nvSpPr>
-          <p:cNvPr id="5" name="Content Placeholder 4"/>
-          <p:cNvSpPr>
-            <a:spLocks noGrp="1"/>
-          </p:cNvSpPr>
-          <p:nvPr>
-            <p:ph idx="1"/>
-          </p:nvPr>
-        </p:nvSpPr>
-        <p:spPr/>
-        <p:txBody>
-          <a:bodyPr>
-            <a:normAutofit/>
-          </a:bodyPr>
-          <a:lstStyle/>
-          <a:p>
-            <a:pPr marL="0" indent="0" algn="ctr">
-              <a:buNone/>
-            </a:pPr>
-            <a:r>
-              <a:rPr lang="zh-TW" altLang="en-US" sz="5400" b="1" dirty="0">
-                <a:solidFill>
-                  <a:srgbClr val="002060"/>
-                </a:solidFill>
-                <a:latin typeface="Microsoft JhengHei" panose="020B0604030504040204" pitchFamily="34" charset="-120"/>
-                <a:ea typeface="Microsoft JhengHei" panose="020B0604030504040204" pitchFamily="34" charset="-120"/>
-              </a:rPr>
-              <a:t>離去罪惡永死的深坑</a:t>
-            </a:r>
-          </a:p>
-          <a:p>
-            <a:pPr marL="0" indent="0" algn="ctr">
-              <a:buNone/>
-            </a:pPr>
-            <a:r>
-              <a:rPr lang="zh-TW" altLang="en-US" sz="5400" b="1" dirty="0">
-                <a:solidFill>
-                  <a:srgbClr val="002060"/>
-                </a:solidFill>
-                <a:latin typeface="Microsoft JhengHei" panose="020B0604030504040204" pitchFamily="34" charset="-120"/>
-                <a:ea typeface="Microsoft JhengHei" panose="020B0604030504040204" pitchFamily="34" charset="-120"/>
-              </a:rPr>
-              <a:t>入主所賜無限的平安</a:t>
-            </a:r>
-          </a:p>
-          <a:p>
-            <a:pPr marL="0" indent="0" algn="ctr">
-              <a:buNone/>
-            </a:pPr>
-            <a:r>
-              <a:rPr lang="zh-TW" altLang="en-US" sz="5400" b="1" dirty="0">
-                <a:solidFill>
-                  <a:srgbClr val="002060"/>
-                </a:solidFill>
-                <a:latin typeface="Microsoft JhengHei" panose="020B0604030504040204" pitchFamily="34" charset="-120"/>
-                <a:ea typeface="Microsoft JhengHei" panose="020B0604030504040204" pitchFamily="34" charset="-120"/>
-              </a:rPr>
-              <a:t>永遠見主燦爛戴華冠</a:t>
-            </a:r>
-          </a:p>
-          <a:p>
-            <a:pPr marL="0" indent="0" algn="ctr">
-              <a:buNone/>
-            </a:pPr>
-            <a:r>
-              <a:rPr lang="zh-TW" altLang="en-US" sz="5400" b="1" dirty="0">
-                <a:solidFill>
-                  <a:srgbClr val="002060"/>
-                </a:solidFill>
-                <a:latin typeface="Microsoft JhengHei" panose="020B0604030504040204" pitchFamily="34" charset="-120"/>
-                <a:ea typeface="Microsoft JhengHei" panose="020B0604030504040204" pitchFamily="34" charset="-120"/>
-              </a:rPr>
-              <a:t>耶穌我來就你</a:t>
-            </a:r>
-          </a:p>
-        </p:txBody>
-      </p:sp>
-      <p:sp>
-        <p:nvSpPr>
-          <p:cNvPr id="6" name="Text Box 1"/>
+              <a:t>耶穌我來  耶穌我來</a:t>
+            </a:r>
+            <a:endParaRPr lang="zh-TW" altLang="en-US" sz="6400" b="1" dirty="0">
+              <a:solidFill>
+                <a:srgbClr val="660033"/>
+              </a:solidFill>
+              <a:latin typeface="Microsoft JhengHei" panose="020B0604030504040204" pitchFamily="34" charset="-120"/>
+              <a:ea typeface="Microsoft JhengHei" panose="020B0604030504040204" pitchFamily="34" charset="-120"/>
+            </a:endParaRPr>
+          </a:p>
+        </p:txBody>
+      </p:sp>
+      <p:sp>
+        <p:nvSpPr>
+          <p:cNvPr id="3" name="TextBox 2"/>
           <p:cNvSpPr txBox="1"/>
           <p:nvPr/>
         </p:nvSpPr>
         <p:spPr>
           <a:xfrm>
-            <a:off x="609600" y="1700808"/>
-            <a:ext cx="1380490" cy="923330"/>
+            <a:off x="0" y="5061182"/>
+            <a:ext cx="12192000" cy="830997"/>
           </a:xfrm>
           <a:prstGeom prst="rect">
             <a:avLst/>
           </a:prstGeom>
           <a:noFill/>
-          <a:ln w="9525">
-            <a:noFill/>
-            <a:miter lim="800000"/>
-          </a:ln>
         </p:spPr>
         <p:txBody>
-          <a:bodyPr wrap="square">
+          <a:bodyPr wrap="square" rtlCol="0">
             <a:spAutoFit/>
           </a:bodyPr>
           <a:lstStyle/>
           <a:p>
             <a:pPr algn="ctr"/>
             <a:r>
-              <a:rPr lang="en-US" sz="5400" b="1" dirty="0">
-                <a:solidFill>
-                  <a:srgbClr val="002060"/>
+              <a:rPr lang="en-US" sz="4800" b="1" dirty="0">
+                <a:solidFill>
+                  <a:srgbClr val="660033"/>
                 </a:solidFill>
               </a:rPr>
-              <a:t>3</a:t>
-            </a:r>
-            <a:r>
-              <a:rPr lang="en-US" sz="5400" b="1" dirty="0" smtClean="0">
-                <a:solidFill>
-                  <a:srgbClr val="002060"/>
-                </a:solidFill>
-              </a:rPr>
-              <a:t>.</a:t>
-            </a:r>
-            <a:endParaRPr lang="en-US" sz="5400" b="1" dirty="0">
+              <a:t>( 2 )</a:t>
+            </a:r>
+            <a:endParaRPr lang="vi-VN" sz="4800" b="1" dirty="0">
               <a:solidFill>
-                <a:srgbClr val="002060"/>
+                <a:srgbClr val="660033"/>
               </a:solidFill>
             </a:endParaRPr>
           </a:p>
@@ -5061,13 +5080,448 @@
     </p:spTree>
     <p:extLst>
       <p:ext uri="{BB962C8B-B14F-4D97-AF65-F5344CB8AC3E}">
-        <p14:creationId xmlns:p14="http://schemas.microsoft.com/office/powerpoint/2010/main" val="2498900714"/>
+        <p14:creationId xmlns:p14="http://schemas.microsoft.com/office/powerpoint/2010/main" val="56338200"/>
       </p:ext>
     </p:extLst>
   </p:cSld>
   <p:clrMapOvr>
     <a:masterClrMapping/>
   </p:clrMapOvr>
+  <p:timing>
+    <p:tnLst>
+      <p:par>
+        <p:cTn id="1" dur="indefinite" restart="never" nodeType="tmRoot"/>
+      </p:par>
+    </p:tnLst>
+  </p:timing>
+</p:sld>
+</file>
+
+<file path=ppt/slides/slide7.xml><?xml version="1.0" encoding="utf-8"?>
+<p:sld xmlns:a="http://schemas.openxmlformats.org/drawingml/2006/main" xmlns:r="http://schemas.openxmlformats.org/officeDocument/2006/relationships" xmlns:p="http://schemas.openxmlformats.org/presentationml/2006/main">
+  <p:cSld>
+    <p:spTree>
+      <p:nvGrpSpPr>
+        <p:cNvPr id="1" name=""/>
+        <p:cNvGrpSpPr/>
+        <p:nvPr/>
+      </p:nvGrpSpPr>
+      <p:grpSpPr>
+        <a:xfrm>
+          <a:off x="0" y="0"/>
+          <a:ext cx="0" cy="0"/>
+          <a:chOff x="0" y="0"/>
+          <a:chExt cx="0" cy="0"/>
+        </a:xfrm>
+      </p:grpSpPr>
+      <p:sp>
+        <p:nvSpPr>
+          <p:cNvPr id="5" name="內容版面配置區 4"/>
+          <p:cNvSpPr>
+            <a:spLocks noGrp="1"/>
+          </p:cNvSpPr>
+          <p:nvPr>
+            <p:ph idx="1"/>
+          </p:nvPr>
+        </p:nvSpPr>
+        <p:spPr>
+          <a:xfrm>
+            <a:off x="0" y="2084851"/>
+            <a:ext cx="12192000" cy="2404863"/>
+          </a:xfrm>
+        </p:spPr>
+        <p:txBody>
+          <a:bodyPr anchor="ctr">
+            <a:normAutofit/>
+          </a:bodyPr>
+          <a:lstStyle/>
+          <a:p>
+            <a:pPr marL="0" indent="0" algn="ctr">
+              <a:buNone/>
+            </a:pPr>
+            <a:r>
+              <a:rPr lang="zh-TW" altLang="en-US" sz="6400" b="1" dirty="0">
+                <a:solidFill>
+                  <a:srgbClr val="660033"/>
+                </a:solidFill>
+                <a:latin typeface="Microsoft JhengHei" panose="020B0604030504040204" pitchFamily="34" charset="-120"/>
+                <a:ea typeface="Microsoft JhengHei" panose="020B0604030504040204" pitchFamily="34" charset="-120"/>
+              </a:rPr>
+              <a:t>背十字架順服主旨意</a:t>
+            </a:r>
+          </a:p>
+          <a:p>
+            <a:pPr marL="0" indent="0" algn="ctr">
+              <a:buNone/>
+            </a:pPr>
+            <a:r>
+              <a:rPr lang="zh-TW" altLang="en-US" sz="6400" b="1" dirty="0">
+                <a:solidFill>
+                  <a:srgbClr val="660033"/>
+                </a:solidFill>
+                <a:latin typeface="Microsoft JhengHei" panose="020B0604030504040204" pitchFamily="34" charset="-120"/>
+                <a:ea typeface="Microsoft JhengHei" panose="020B0604030504040204" pitchFamily="34" charset="-120"/>
+              </a:rPr>
+              <a:t>耶穌我來就你</a:t>
+            </a:r>
+            <a:endParaRPr lang="zh-TW" altLang="en-US" sz="6400" b="1" dirty="0">
+              <a:solidFill>
+                <a:srgbClr val="660033"/>
+              </a:solidFill>
+              <a:latin typeface="Microsoft JhengHei" panose="020B0604030504040204" pitchFamily="34" charset="-120"/>
+              <a:ea typeface="Microsoft JhengHei" panose="020B0604030504040204" pitchFamily="34" charset="-120"/>
+            </a:endParaRPr>
+          </a:p>
+        </p:txBody>
+      </p:sp>
+      <p:sp>
+        <p:nvSpPr>
+          <p:cNvPr id="3" name="TextBox 2"/>
+          <p:cNvSpPr txBox="1"/>
+          <p:nvPr/>
+        </p:nvSpPr>
+        <p:spPr>
+          <a:xfrm>
+            <a:off x="0" y="5061182"/>
+            <a:ext cx="12192000" cy="830997"/>
+          </a:xfrm>
+          <a:prstGeom prst="rect">
+            <a:avLst/>
+          </a:prstGeom>
+          <a:noFill/>
+        </p:spPr>
+        <p:txBody>
+          <a:bodyPr wrap="square" rtlCol="0">
+            <a:spAutoFit/>
+          </a:bodyPr>
+          <a:lstStyle/>
+          <a:p>
+            <a:pPr algn="ctr"/>
+            <a:r>
+              <a:rPr lang="en-US" sz="4800" b="1" dirty="0">
+                <a:solidFill>
+                  <a:srgbClr val="660033"/>
+                </a:solidFill>
+              </a:rPr>
+              <a:t>( 2 )</a:t>
+            </a:r>
+            <a:endParaRPr lang="vi-VN" sz="4800" b="1" dirty="0">
+              <a:solidFill>
+                <a:srgbClr val="660033"/>
+              </a:solidFill>
+            </a:endParaRPr>
+          </a:p>
+        </p:txBody>
+      </p:sp>
+    </p:spTree>
+    <p:extLst>
+      <p:ext uri="{BB962C8B-B14F-4D97-AF65-F5344CB8AC3E}">
+        <p14:creationId xmlns:p14="http://schemas.microsoft.com/office/powerpoint/2010/main" val="2237971495"/>
+      </p:ext>
+    </p:extLst>
+  </p:cSld>
+  <p:clrMapOvr>
+    <a:masterClrMapping/>
+  </p:clrMapOvr>
+  <p:timing>
+    <p:tnLst>
+      <p:par>
+        <p:cTn id="1" dur="indefinite" restart="never" nodeType="tmRoot"/>
+      </p:par>
+    </p:tnLst>
+  </p:timing>
+</p:sld>
+</file>
+
+<file path=ppt/slides/slide8.xml><?xml version="1.0" encoding="utf-8"?>
+<p:sld xmlns:a="http://schemas.openxmlformats.org/drawingml/2006/main" xmlns:r="http://schemas.openxmlformats.org/officeDocument/2006/relationships" xmlns:p="http://schemas.openxmlformats.org/presentationml/2006/main">
+  <p:cSld>
+    <p:spTree>
+      <p:nvGrpSpPr>
+        <p:cNvPr id="1" name=""/>
+        <p:cNvGrpSpPr/>
+        <p:nvPr/>
+      </p:nvGrpSpPr>
+      <p:grpSpPr>
+        <a:xfrm>
+          <a:off x="0" y="0"/>
+          <a:ext cx="0" cy="0"/>
+          <a:chOff x="0" y="0"/>
+          <a:chExt cx="0" cy="0"/>
+        </a:xfrm>
+      </p:grpSpPr>
+      <p:sp>
+        <p:nvSpPr>
+          <p:cNvPr id="5" name="內容版面配置區 4"/>
+          <p:cNvSpPr>
+            <a:spLocks noGrp="1"/>
+          </p:cNvSpPr>
+          <p:nvPr>
+            <p:ph idx="1"/>
+          </p:nvPr>
+        </p:nvSpPr>
+        <p:spPr>
+          <a:xfrm>
+            <a:off x="0" y="2084851"/>
+            <a:ext cx="12192000" cy="2404863"/>
+          </a:xfrm>
+        </p:spPr>
+        <p:txBody>
+          <a:bodyPr anchor="ctr">
+            <a:normAutofit/>
+          </a:bodyPr>
+          <a:lstStyle/>
+          <a:p>
+            <a:pPr marL="0" indent="0" algn="ctr">
+              <a:buNone/>
+            </a:pPr>
+            <a:r>
+              <a:rPr lang="zh-TW" altLang="en-US" sz="6400" b="1" dirty="0">
+                <a:solidFill>
+                  <a:srgbClr val="660033"/>
+                </a:solidFill>
+                <a:latin typeface="Microsoft JhengHei" panose="020B0604030504040204" pitchFamily="34" charset="-120"/>
+                <a:ea typeface="Microsoft JhengHei" panose="020B0604030504040204" pitchFamily="34" charset="-120"/>
+              </a:rPr>
+              <a:t>離去怨歎讚美主恩深</a:t>
+            </a:r>
+          </a:p>
+          <a:p>
+            <a:pPr marL="0" indent="0" algn="ctr">
+              <a:buNone/>
+            </a:pPr>
+            <a:r>
+              <a:rPr lang="zh-TW" altLang="en-US" sz="6400" b="1" dirty="0">
+                <a:solidFill>
+                  <a:srgbClr val="660033"/>
+                </a:solidFill>
+                <a:latin typeface="Microsoft JhengHei" panose="020B0604030504040204" pitchFamily="34" charset="-120"/>
+                <a:ea typeface="Microsoft JhengHei" panose="020B0604030504040204" pitchFamily="34" charset="-120"/>
+              </a:rPr>
+              <a:t>離去絕望歡候主再臨</a:t>
+            </a:r>
+            <a:endParaRPr lang="zh-TW" altLang="en-US" sz="6400" b="1" dirty="0">
+              <a:solidFill>
+                <a:srgbClr val="660033"/>
+              </a:solidFill>
+              <a:latin typeface="Microsoft JhengHei" panose="020B0604030504040204" pitchFamily="34" charset="-120"/>
+              <a:ea typeface="Microsoft JhengHei" panose="020B0604030504040204" pitchFamily="34" charset="-120"/>
+            </a:endParaRPr>
+          </a:p>
+        </p:txBody>
+      </p:sp>
+      <p:sp>
+        <p:nvSpPr>
+          <p:cNvPr id="3" name="TextBox 2"/>
+          <p:cNvSpPr txBox="1"/>
+          <p:nvPr/>
+        </p:nvSpPr>
+        <p:spPr>
+          <a:xfrm>
+            <a:off x="0" y="5061182"/>
+            <a:ext cx="12192000" cy="830997"/>
+          </a:xfrm>
+          <a:prstGeom prst="rect">
+            <a:avLst/>
+          </a:prstGeom>
+          <a:noFill/>
+        </p:spPr>
+        <p:txBody>
+          <a:bodyPr wrap="square" rtlCol="0">
+            <a:spAutoFit/>
+          </a:bodyPr>
+          <a:lstStyle/>
+          <a:p>
+            <a:pPr algn="ctr"/>
+            <a:r>
+              <a:rPr lang="en-US" sz="4800" b="1" dirty="0">
+                <a:solidFill>
+                  <a:srgbClr val="660033"/>
+                </a:solidFill>
+              </a:rPr>
+              <a:t>( 2 )</a:t>
+            </a:r>
+            <a:endParaRPr lang="vi-VN" sz="4800" b="1" dirty="0">
+              <a:solidFill>
+                <a:srgbClr val="660033"/>
+              </a:solidFill>
+            </a:endParaRPr>
+          </a:p>
+        </p:txBody>
+      </p:sp>
+    </p:spTree>
+    <p:extLst>
+      <p:ext uri="{BB962C8B-B14F-4D97-AF65-F5344CB8AC3E}">
+        <p14:creationId xmlns:p14="http://schemas.microsoft.com/office/powerpoint/2010/main" val="1702409742"/>
+      </p:ext>
+    </p:extLst>
+  </p:cSld>
+  <p:clrMapOvr>
+    <a:masterClrMapping/>
+  </p:clrMapOvr>
+  <p:timing>
+    <p:tnLst>
+      <p:par>
+        <p:cTn id="1" dur="indefinite" restart="never" nodeType="tmRoot"/>
+      </p:par>
+    </p:tnLst>
+  </p:timing>
+</p:sld>
+</file>
+
+<file path=ppt/slides/slide9.xml><?xml version="1.0" encoding="utf-8"?>
+<p:sld xmlns:a="http://schemas.openxmlformats.org/drawingml/2006/main" xmlns:r="http://schemas.openxmlformats.org/officeDocument/2006/relationships" xmlns:p="http://schemas.openxmlformats.org/presentationml/2006/main">
+  <p:cSld>
+    <p:spTree>
+      <p:nvGrpSpPr>
+        <p:cNvPr id="1" name=""/>
+        <p:cNvGrpSpPr/>
+        <p:nvPr/>
+      </p:nvGrpSpPr>
+      <p:grpSpPr>
+        <a:xfrm>
+          <a:off x="0" y="0"/>
+          <a:ext cx="0" cy="0"/>
+          <a:chOff x="0" y="0"/>
+          <a:chExt cx="0" cy="0"/>
+        </a:xfrm>
+      </p:grpSpPr>
+      <p:sp>
+        <p:nvSpPr>
+          <p:cNvPr id="5" name="內容版面配置區 4"/>
+          <p:cNvSpPr>
+            <a:spLocks noGrp="1"/>
+          </p:cNvSpPr>
+          <p:nvPr>
+            <p:ph idx="1"/>
+          </p:nvPr>
+        </p:nvSpPr>
+        <p:spPr>
+          <a:xfrm>
+            <a:off x="0" y="2084851"/>
+            <a:ext cx="12192000" cy="2404863"/>
+          </a:xfrm>
+        </p:spPr>
+        <p:txBody>
+          <a:bodyPr anchor="ctr">
+            <a:normAutofit/>
+          </a:bodyPr>
+          <a:lstStyle/>
+          <a:p>
+            <a:pPr marL="0" indent="0" algn="ctr">
+              <a:buNone/>
+            </a:pPr>
+            <a:r>
+              <a:rPr lang="zh-TW" altLang="en-US" sz="6400" b="1" dirty="0">
+                <a:solidFill>
+                  <a:srgbClr val="660033"/>
+                </a:solidFill>
+                <a:latin typeface="Microsoft JhengHei" panose="020B0604030504040204" pitchFamily="34" charset="-120"/>
+                <a:ea typeface="Microsoft JhengHei" panose="020B0604030504040204" pitchFamily="34" charset="-120"/>
+              </a:rPr>
+              <a:t>如鳥</a:t>
+            </a:r>
+            <a:r>
+              <a:rPr lang="zh-CN" altLang="en-US" sz="6400" b="1" dirty="0">
+                <a:solidFill>
+                  <a:srgbClr val="660033"/>
+                </a:solidFill>
+                <a:latin typeface="Microsoft JhengHei" panose="020B0604030504040204" pitchFamily="34" charset="-120"/>
+                <a:ea typeface="Microsoft JhengHei" panose="020B0604030504040204" pitchFamily="34" charset="-120"/>
+              </a:rPr>
+              <a:t>生</a:t>
+            </a:r>
+            <a:r>
+              <a:rPr lang="zh-TW" altLang="en-US" sz="6400" b="1" dirty="0">
+                <a:solidFill>
+                  <a:srgbClr val="660033"/>
+                </a:solidFill>
+                <a:latin typeface="Microsoft JhengHei" panose="020B0604030504040204" pitchFamily="34" charset="-120"/>
+                <a:ea typeface="Microsoft JhengHei" panose="020B0604030504040204" pitchFamily="34" charset="-120"/>
+              </a:rPr>
+              <a:t>翼永遠能奮興</a:t>
+            </a:r>
+          </a:p>
+          <a:p>
+            <a:pPr marL="0" indent="0" algn="ctr">
+              <a:buNone/>
+            </a:pPr>
+            <a:r>
+              <a:rPr lang="zh-TW" altLang="en-US" sz="6400" b="1" dirty="0">
+                <a:solidFill>
+                  <a:srgbClr val="660033"/>
+                </a:solidFill>
+                <a:latin typeface="Microsoft JhengHei" panose="020B0604030504040204" pitchFamily="34" charset="-120"/>
+                <a:ea typeface="Microsoft JhengHei" panose="020B0604030504040204" pitchFamily="34" charset="-120"/>
+              </a:rPr>
+              <a:t>耶穌我來就你</a:t>
+            </a:r>
+            <a:endParaRPr lang="zh-TW" altLang="en-US" sz="6400" b="1" dirty="0">
+              <a:solidFill>
+                <a:srgbClr val="660033"/>
+              </a:solidFill>
+              <a:latin typeface="Microsoft JhengHei" panose="020B0604030504040204" pitchFamily="34" charset="-120"/>
+              <a:ea typeface="Microsoft JhengHei" panose="020B0604030504040204" pitchFamily="34" charset="-120"/>
+            </a:endParaRPr>
+          </a:p>
+        </p:txBody>
+      </p:sp>
+      <p:sp>
+        <p:nvSpPr>
+          <p:cNvPr id="3" name="TextBox 2"/>
+          <p:cNvSpPr txBox="1"/>
+          <p:nvPr/>
+        </p:nvSpPr>
+        <p:spPr>
+          <a:xfrm>
+            <a:off x="0" y="5061182"/>
+            <a:ext cx="12192000" cy="830997"/>
+          </a:xfrm>
+          <a:prstGeom prst="rect">
+            <a:avLst/>
+          </a:prstGeom>
+          <a:noFill/>
+        </p:spPr>
+        <p:txBody>
+          <a:bodyPr wrap="square" rtlCol="0">
+            <a:spAutoFit/>
+          </a:bodyPr>
+          <a:lstStyle/>
+          <a:p>
+            <a:pPr algn="ctr"/>
+            <a:r>
+              <a:rPr lang="en-US" sz="4800" b="1" dirty="0">
+                <a:solidFill>
+                  <a:srgbClr val="660033"/>
+                </a:solidFill>
+              </a:rPr>
+              <a:t>( 2 )</a:t>
+            </a:r>
+            <a:endParaRPr lang="vi-VN" sz="4800" b="1" dirty="0">
+              <a:solidFill>
+                <a:srgbClr val="660033"/>
+              </a:solidFill>
+            </a:endParaRPr>
+          </a:p>
+        </p:txBody>
+      </p:sp>
+    </p:spTree>
+    <p:extLst>
+      <p:ext uri="{BB962C8B-B14F-4D97-AF65-F5344CB8AC3E}">
+        <p14:creationId xmlns:p14="http://schemas.microsoft.com/office/powerpoint/2010/main" val="707947377"/>
+      </p:ext>
+    </p:extLst>
+  </p:cSld>
+  <p:clrMapOvr>
+    <a:masterClrMapping/>
+  </p:clrMapOvr>
+  <p:timing>
+    <p:tnLst>
+      <p:par>
+        <p:cTn id="1" dur="indefinite" restart="never" nodeType="tmRoot"/>
+      </p:par>
+    </p:tnLst>
+  </p:timing>
 </p:sld>
 </file>
 

--- a/宣道詩/(宣道詩154) 耶穌我來就你.pptx
+++ b/宣道詩/(宣道詩154) 耶穌我來就你.pptx
@@ -322,6 +322,11 @@
         </p:txBody>
       </p:sp>
     </p:spTree>
+    <p:extLst>
+      <p:ext uri="{BB962C8B-B14F-4D97-AF65-F5344CB8AC3E}">
+        <p14:creationId xmlns:p14="http://schemas.microsoft.com/office/powerpoint/2010/main" val="1"/>
+      </p:ext>
+    </p:extLst>
   </p:cSld>
   <p:clrMap bg1="lt1" tx1="dk1" bg2="lt2" tx2="dk2" accent1="accent1" accent2="accent2" accent3="accent3" accent4="accent4" accent5="accent5" accent6="accent6" hlink="hlink" folHlink="folHlink"/>
 </p:handoutMaster>
@@ -471,38 +476,37 @@
           <a:p>
             <a:pPr lvl="0"/>
             <a:r>
-              <a:rPr lang="zh-TW" altLang="en-US" smtClean="0"/>
+              <a:rPr lang="zh-TW" altLang="en-US"/>
               <a:t>按一下以編輯母片文字樣式</a:t>
             </a:r>
           </a:p>
           <a:p>
             <a:pPr lvl="1"/>
             <a:r>
-              <a:rPr lang="zh-TW" altLang="en-US" smtClean="0"/>
+              <a:rPr lang="zh-TW" altLang="en-US"/>
               <a:t>第二層</a:t>
             </a:r>
           </a:p>
           <a:p>
             <a:pPr lvl="2"/>
             <a:r>
-              <a:rPr lang="zh-TW" altLang="en-US" smtClean="0"/>
+              <a:rPr lang="zh-TW" altLang="en-US"/>
               <a:t>第三層</a:t>
             </a:r>
           </a:p>
           <a:p>
             <a:pPr lvl="3"/>
             <a:r>
-              <a:rPr lang="zh-TW" altLang="en-US" smtClean="0"/>
+              <a:rPr lang="zh-TW" altLang="en-US"/>
               <a:t>第四層</a:t>
             </a:r>
           </a:p>
           <a:p>
             <a:pPr lvl="4"/>
             <a:r>
-              <a:rPr lang="zh-TW" altLang="en-US" smtClean="0"/>
+              <a:rPr lang="zh-TW" altLang="en-US"/>
               <a:t>第五層</a:t>
             </a:r>
-            <a:endParaRPr lang="zh-TW" altLang="en-US"/>
           </a:p>
         </p:txBody>
       </p:sp>
@@ -708,7 +712,7 @@
           <a:lstStyle/>
           <a:p>
             <a:r>
-              <a:rPr lang="en-US" altLang="zh-TW" smtClean="0"/>
+              <a:rPr lang="en-US" altLang="zh-TW"/>
               <a:t>Click to edit Master title style</a:t>
             </a:r>
             <a:endParaRPr lang="zh-TW" altLang="en-US"/>
@@ -827,7 +831,7 @@
           </a:lstStyle>
           <a:p>
             <a:r>
-              <a:rPr lang="en-US" altLang="zh-TW" smtClean="0"/>
+              <a:rPr lang="en-US" altLang="zh-TW"/>
               <a:t>Click to edit Master subtitle style</a:t>
             </a:r>
             <a:endParaRPr lang="zh-TW" altLang="en-US"/>
@@ -950,7 +954,7 @@
           <a:lstStyle/>
           <a:p>
             <a:r>
-              <a:rPr lang="en-US" altLang="zh-TW" smtClean="0"/>
+              <a:rPr lang="en-US" altLang="zh-TW"/>
               <a:t>Click to edit Master title style</a:t>
             </a:r>
             <a:endParaRPr lang="zh-TW" altLang="en-US"/>
@@ -974,35 +978,35 @@
           <a:p>
             <a:pPr lvl="0"/>
             <a:r>
-              <a:rPr lang="en-US" altLang="zh-TW" smtClean="0"/>
+              <a:rPr lang="en-US" altLang="zh-TW"/>
               <a:t>Edit Master text styles</a:t>
             </a:r>
           </a:p>
           <a:p>
             <a:pPr lvl="1"/>
             <a:r>
-              <a:rPr lang="en-US" altLang="zh-TW" smtClean="0"/>
+              <a:rPr lang="en-US" altLang="zh-TW"/>
               <a:t>Second level</a:t>
             </a:r>
           </a:p>
           <a:p>
             <a:pPr lvl="2"/>
             <a:r>
-              <a:rPr lang="en-US" altLang="zh-TW" smtClean="0"/>
+              <a:rPr lang="en-US" altLang="zh-TW"/>
               <a:t>Third level</a:t>
             </a:r>
           </a:p>
           <a:p>
             <a:pPr lvl="3"/>
             <a:r>
-              <a:rPr lang="en-US" altLang="zh-TW" smtClean="0"/>
+              <a:rPr lang="en-US" altLang="zh-TW"/>
               <a:t>Fourth level</a:t>
             </a:r>
           </a:p>
           <a:p>
             <a:pPr lvl="4"/>
             <a:r>
-              <a:rPr lang="en-US" altLang="zh-TW" smtClean="0"/>
+              <a:rPr lang="en-US" altLang="zh-TW"/>
               <a:t>Fifth level</a:t>
             </a:r>
             <a:endParaRPr lang="zh-TW" altLang="en-US"/>
@@ -1130,7 +1134,7 @@
           <a:lstStyle/>
           <a:p>
             <a:r>
-              <a:rPr lang="en-US" altLang="zh-TW" smtClean="0"/>
+              <a:rPr lang="en-US" altLang="zh-TW"/>
               <a:t>Click to edit Master title style</a:t>
             </a:r>
             <a:endParaRPr lang="zh-TW" altLang="en-US"/>
@@ -1159,35 +1163,35 @@
           <a:p>
             <a:pPr lvl="0"/>
             <a:r>
-              <a:rPr lang="en-US" altLang="zh-TW" smtClean="0"/>
+              <a:rPr lang="en-US" altLang="zh-TW"/>
               <a:t>Edit Master text styles</a:t>
             </a:r>
           </a:p>
           <a:p>
             <a:pPr lvl="1"/>
             <a:r>
-              <a:rPr lang="en-US" altLang="zh-TW" smtClean="0"/>
+              <a:rPr lang="en-US" altLang="zh-TW"/>
               <a:t>Second level</a:t>
             </a:r>
           </a:p>
           <a:p>
             <a:pPr lvl="2"/>
             <a:r>
-              <a:rPr lang="en-US" altLang="zh-TW" smtClean="0"/>
+              <a:rPr lang="en-US" altLang="zh-TW"/>
               <a:t>Third level</a:t>
             </a:r>
           </a:p>
           <a:p>
             <a:pPr lvl="3"/>
             <a:r>
-              <a:rPr lang="en-US" altLang="zh-TW" smtClean="0"/>
+              <a:rPr lang="en-US" altLang="zh-TW"/>
               <a:t>Fourth level</a:t>
             </a:r>
           </a:p>
           <a:p>
             <a:pPr lvl="4"/>
             <a:r>
-              <a:rPr lang="en-US" altLang="zh-TW" smtClean="0"/>
+              <a:rPr lang="en-US" altLang="zh-TW"/>
               <a:t>Fifth level</a:t>
             </a:r>
             <a:endParaRPr lang="zh-TW" altLang="en-US"/>
@@ -1310,7 +1314,7 @@
           <a:lstStyle/>
           <a:p>
             <a:r>
-              <a:rPr lang="en-US" altLang="zh-TW" smtClean="0"/>
+              <a:rPr lang="en-US" altLang="zh-TW"/>
               <a:t>Click to edit Master title style</a:t>
             </a:r>
             <a:endParaRPr lang="zh-TW" altLang="en-US"/>
@@ -1334,35 +1338,35 @@
           <a:p>
             <a:pPr lvl="0"/>
             <a:r>
-              <a:rPr lang="en-US" altLang="zh-TW" smtClean="0"/>
+              <a:rPr lang="en-US" altLang="zh-TW"/>
               <a:t>Edit Master text styles</a:t>
             </a:r>
           </a:p>
           <a:p>
             <a:pPr lvl="1"/>
             <a:r>
-              <a:rPr lang="en-US" altLang="zh-TW" smtClean="0"/>
+              <a:rPr lang="en-US" altLang="zh-TW"/>
               <a:t>Second level</a:t>
             </a:r>
           </a:p>
           <a:p>
             <a:pPr lvl="2"/>
             <a:r>
-              <a:rPr lang="en-US" altLang="zh-TW" smtClean="0"/>
+              <a:rPr lang="en-US" altLang="zh-TW"/>
               <a:t>Third level</a:t>
             </a:r>
           </a:p>
           <a:p>
             <a:pPr lvl="3"/>
             <a:r>
-              <a:rPr lang="en-US" altLang="zh-TW" smtClean="0"/>
+              <a:rPr lang="en-US" altLang="zh-TW"/>
               <a:t>Fourth level</a:t>
             </a:r>
           </a:p>
           <a:p>
             <a:pPr lvl="4"/>
             <a:r>
-              <a:rPr lang="en-US" altLang="zh-TW" smtClean="0"/>
+              <a:rPr lang="en-US" altLang="zh-TW"/>
               <a:t>Fifth level</a:t>
             </a:r>
             <a:endParaRPr lang="zh-TW" altLang="en-US"/>
@@ -1494,7 +1498,7 @@
           </a:lstStyle>
           <a:p>
             <a:r>
-              <a:rPr lang="en-US" altLang="zh-TW" smtClean="0"/>
+              <a:rPr lang="en-US" altLang="zh-TW"/>
               <a:t>Click to edit Master title style</a:t>
             </a:r>
             <a:endParaRPr lang="zh-TW" altLang="en-US"/>
@@ -1614,7 +1618,7 @@
           <a:p>
             <a:pPr lvl="0"/>
             <a:r>
-              <a:rPr lang="en-US" altLang="zh-TW" smtClean="0"/>
+              <a:rPr lang="en-US" altLang="zh-TW"/>
               <a:t>Edit Master text styles</a:t>
             </a:r>
           </a:p>
@@ -1736,7 +1740,7 @@
           <a:lstStyle/>
           <a:p>
             <a:r>
-              <a:rPr lang="en-US" altLang="zh-TW" smtClean="0"/>
+              <a:rPr lang="en-US" altLang="zh-TW"/>
               <a:t>Click to edit Master title style</a:t>
             </a:r>
             <a:endParaRPr lang="zh-TW" altLang="en-US"/>
@@ -1793,35 +1797,35 @@
           <a:p>
             <a:pPr lvl="0"/>
             <a:r>
-              <a:rPr lang="en-US" altLang="zh-TW" smtClean="0"/>
+              <a:rPr lang="en-US" altLang="zh-TW"/>
               <a:t>Edit Master text styles</a:t>
             </a:r>
           </a:p>
           <a:p>
             <a:pPr lvl="1"/>
             <a:r>
-              <a:rPr lang="en-US" altLang="zh-TW" smtClean="0"/>
+              <a:rPr lang="en-US" altLang="zh-TW"/>
               <a:t>Second level</a:t>
             </a:r>
           </a:p>
           <a:p>
             <a:pPr lvl="2"/>
             <a:r>
-              <a:rPr lang="en-US" altLang="zh-TW" smtClean="0"/>
+              <a:rPr lang="en-US" altLang="zh-TW"/>
               <a:t>Third level</a:t>
             </a:r>
           </a:p>
           <a:p>
             <a:pPr lvl="3"/>
             <a:r>
-              <a:rPr lang="en-US" altLang="zh-TW" smtClean="0"/>
+              <a:rPr lang="en-US" altLang="zh-TW"/>
               <a:t>Fourth level</a:t>
             </a:r>
           </a:p>
           <a:p>
             <a:pPr lvl="4"/>
             <a:r>
-              <a:rPr lang="en-US" altLang="zh-TW" smtClean="0"/>
+              <a:rPr lang="en-US" altLang="zh-TW"/>
               <a:t>Fifth level</a:t>
             </a:r>
             <a:endParaRPr lang="zh-TW" altLang="en-US"/>
@@ -1878,35 +1882,35 @@
           <a:p>
             <a:pPr lvl="0"/>
             <a:r>
-              <a:rPr lang="en-US" altLang="zh-TW" smtClean="0"/>
+              <a:rPr lang="en-US" altLang="zh-TW"/>
               <a:t>Edit Master text styles</a:t>
             </a:r>
           </a:p>
           <a:p>
             <a:pPr lvl="1"/>
             <a:r>
-              <a:rPr lang="en-US" altLang="zh-TW" smtClean="0"/>
+              <a:rPr lang="en-US" altLang="zh-TW"/>
               <a:t>Second level</a:t>
             </a:r>
           </a:p>
           <a:p>
             <a:pPr lvl="2"/>
             <a:r>
-              <a:rPr lang="en-US" altLang="zh-TW" smtClean="0"/>
+              <a:rPr lang="en-US" altLang="zh-TW"/>
               <a:t>Third level</a:t>
             </a:r>
           </a:p>
           <a:p>
             <a:pPr lvl="3"/>
             <a:r>
-              <a:rPr lang="en-US" altLang="zh-TW" smtClean="0"/>
+              <a:rPr lang="en-US" altLang="zh-TW"/>
               <a:t>Fourth level</a:t>
             </a:r>
           </a:p>
           <a:p>
             <a:pPr lvl="4"/>
             <a:r>
-              <a:rPr lang="en-US" altLang="zh-TW" smtClean="0"/>
+              <a:rPr lang="en-US" altLang="zh-TW"/>
               <a:t>Fifth level</a:t>
             </a:r>
             <a:endParaRPr lang="zh-TW" altLang="en-US"/>
@@ -2033,7 +2037,7 @@
           </a:lstStyle>
           <a:p>
             <a:r>
-              <a:rPr lang="en-US" altLang="zh-TW" smtClean="0"/>
+              <a:rPr lang="en-US" altLang="zh-TW"/>
               <a:t>Click to edit Master title style</a:t>
             </a:r>
             <a:endParaRPr lang="zh-TW" altLang="en-US"/>
@@ -2099,7 +2103,7 @@
           <a:p>
             <a:pPr lvl="0"/>
             <a:r>
-              <a:rPr lang="en-US" altLang="zh-TW" smtClean="0"/>
+              <a:rPr lang="en-US" altLang="zh-TW"/>
               <a:t>Edit Master text styles</a:t>
             </a:r>
           </a:p>
@@ -2155,35 +2159,35 @@
           <a:p>
             <a:pPr lvl="0"/>
             <a:r>
-              <a:rPr lang="en-US" altLang="zh-TW" smtClean="0"/>
+              <a:rPr lang="en-US" altLang="zh-TW"/>
               <a:t>Edit Master text styles</a:t>
             </a:r>
           </a:p>
           <a:p>
             <a:pPr lvl="1"/>
             <a:r>
-              <a:rPr lang="en-US" altLang="zh-TW" smtClean="0"/>
+              <a:rPr lang="en-US" altLang="zh-TW"/>
               <a:t>Second level</a:t>
             </a:r>
           </a:p>
           <a:p>
             <a:pPr lvl="2"/>
             <a:r>
-              <a:rPr lang="en-US" altLang="zh-TW" smtClean="0"/>
+              <a:rPr lang="en-US" altLang="zh-TW"/>
               <a:t>Third level</a:t>
             </a:r>
           </a:p>
           <a:p>
             <a:pPr lvl="3"/>
             <a:r>
-              <a:rPr lang="en-US" altLang="zh-TW" smtClean="0"/>
+              <a:rPr lang="en-US" altLang="zh-TW"/>
               <a:t>Fourth level</a:t>
             </a:r>
           </a:p>
           <a:p>
             <a:pPr lvl="4"/>
             <a:r>
-              <a:rPr lang="en-US" altLang="zh-TW" smtClean="0"/>
+              <a:rPr lang="en-US" altLang="zh-TW"/>
               <a:t>Fifth level</a:t>
             </a:r>
             <a:endParaRPr lang="zh-TW" altLang="en-US"/>
@@ -2249,7 +2253,7 @@
           <a:p>
             <a:pPr lvl="0"/>
             <a:r>
-              <a:rPr lang="en-US" altLang="zh-TW" smtClean="0"/>
+              <a:rPr lang="en-US" altLang="zh-TW"/>
               <a:t>Edit Master text styles</a:t>
             </a:r>
           </a:p>
@@ -2305,35 +2309,35 @@
           <a:p>
             <a:pPr lvl="0"/>
             <a:r>
-              <a:rPr lang="en-US" altLang="zh-TW" smtClean="0"/>
+              <a:rPr lang="en-US" altLang="zh-TW"/>
               <a:t>Edit Master text styles</a:t>
             </a:r>
           </a:p>
           <a:p>
             <a:pPr lvl="1"/>
             <a:r>
-              <a:rPr lang="en-US" altLang="zh-TW" smtClean="0"/>
+              <a:rPr lang="en-US" altLang="zh-TW"/>
               <a:t>Second level</a:t>
             </a:r>
           </a:p>
           <a:p>
             <a:pPr lvl="2"/>
             <a:r>
-              <a:rPr lang="en-US" altLang="zh-TW" smtClean="0"/>
+              <a:rPr lang="en-US" altLang="zh-TW"/>
               <a:t>Third level</a:t>
             </a:r>
           </a:p>
           <a:p>
             <a:pPr lvl="3"/>
             <a:r>
-              <a:rPr lang="en-US" altLang="zh-TW" smtClean="0"/>
+              <a:rPr lang="en-US" altLang="zh-TW"/>
               <a:t>Fourth level</a:t>
             </a:r>
           </a:p>
           <a:p>
             <a:pPr lvl="4"/>
             <a:r>
-              <a:rPr lang="en-US" altLang="zh-TW" smtClean="0"/>
+              <a:rPr lang="en-US" altLang="zh-TW"/>
               <a:t>Fifth level</a:t>
             </a:r>
             <a:endParaRPr lang="zh-TW" altLang="en-US"/>
@@ -2456,7 +2460,7 @@
           <a:lstStyle/>
           <a:p>
             <a:r>
-              <a:rPr lang="en-US" altLang="zh-TW" smtClean="0"/>
+              <a:rPr lang="en-US" altLang="zh-TW"/>
               <a:t>Click to edit Master title style</a:t>
             </a:r>
             <a:endParaRPr lang="zh-TW" altLang="en-US"/>
@@ -2688,7 +2692,7 @@
           </a:lstStyle>
           <a:p>
             <a:r>
-              <a:rPr lang="en-US" altLang="zh-TW" smtClean="0"/>
+              <a:rPr lang="en-US" altLang="zh-TW"/>
               <a:t>Click to edit Master title style</a:t>
             </a:r>
             <a:endParaRPr lang="zh-TW" altLang="en-US"/>
@@ -2745,35 +2749,35 @@
           <a:p>
             <a:pPr lvl="0"/>
             <a:r>
-              <a:rPr lang="en-US" altLang="zh-TW" smtClean="0"/>
+              <a:rPr lang="en-US" altLang="zh-TW"/>
               <a:t>Edit Master text styles</a:t>
             </a:r>
           </a:p>
           <a:p>
             <a:pPr lvl="1"/>
             <a:r>
-              <a:rPr lang="en-US" altLang="zh-TW" smtClean="0"/>
+              <a:rPr lang="en-US" altLang="zh-TW"/>
               <a:t>Second level</a:t>
             </a:r>
           </a:p>
           <a:p>
             <a:pPr lvl="2"/>
             <a:r>
-              <a:rPr lang="en-US" altLang="zh-TW" smtClean="0"/>
+              <a:rPr lang="en-US" altLang="zh-TW"/>
               <a:t>Third level</a:t>
             </a:r>
           </a:p>
           <a:p>
             <a:pPr lvl="3"/>
             <a:r>
-              <a:rPr lang="en-US" altLang="zh-TW" smtClean="0"/>
+              <a:rPr lang="en-US" altLang="zh-TW"/>
               <a:t>Fourth level</a:t>
             </a:r>
           </a:p>
           <a:p>
             <a:pPr lvl="4"/>
             <a:r>
-              <a:rPr lang="en-US" altLang="zh-TW" smtClean="0"/>
+              <a:rPr lang="en-US" altLang="zh-TW"/>
               <a:t>Fifth level</a:t>
             </a:r>
             <a:endParaRPr lang="zh-TW" altLang="en-US"/>
@@ -2839,7 +2843,7 @@
           <a:p>
             <a:pPr lvl="0"/>
             <a:r>
-              <a:rPr lang="en-US" altLang="zh-TW" smtClean="0"/>
+              <a:rPr lang="en-US" altLang="zh-TW"/>
               <a:t>Edit Master text styles</a:t>
             </a:r>
           </a:p>
@@ -2970,7 +2974,7 @@
           </a:lstStyle>
           <a:p>
             <a:r>
-              <a:rPr lang="en-US" altLang="zh-TW" smtClean="0"/>
+              <a:rPr lang="en-US" altLang="zh-TW"/>
               <a:t>Click to edit Master title style</a:t>
             </a:r>
             <a:endParaRPr lang="zh-TW" altLang="en-US"/>
@@ -3035,7 +3039,7 @@
           </a:lstStyle>
           <a:p>
             <a:r>
-              <a:rPr lang="en-US" altLang="zh-TW" smtClean="0"/>
+              <a:rPr lang="en-US" altLang="zh-TW"/>
               <a:t>Click icon to add picture</a:t>
             </a:r>
             <a:endParaRPr lang="zh-TW" altLang="en-US"/>
@@ -3101,7 +3105,7 @@
           <a:p>
             <a:pPr lvl="0"/>
             <a:r>
-              <a:rPr lang="en-US" altLang="zh-TW" smtClean="0"/>
+              <a:rPr lang="en-US" altLang="zh-TW"/>
               <a:t>Edit Master text styles</a:t>
             </a:r>
           </a:p>
@@ -3243,10 +3247,9 @@
           <a:lstStyle/>
           <a:p>
             <a:r>
-              <a:rPr lang="zh-TW" altLang="en-US" smtClean="0"/>
+              <a:rPr lang="zh-TW" altLang="en-US"/>
               <a:t>按一下以編輯母片標題樣式</a:t>
             </a:r>
-            <a:endParaRPr lang="zh-TW" altLang="en-US"/>
           </a:p>
         </p:txBody>
       </p:sp>
@@ -3277,38 +3280,37 @@
           <a:p>
             <a:pPr lvl="0"/>
             <a:r>
-              <a:rPr lang="zh-TW" altLang="en-US" smtClean="0"/>
+              <a:rPr lang="zh-TW" altLang="en-US"/>
               <a:t>按一下以編輯母片文字樣式</a:t>
             </a:r>
           </a:p>
           <a:p>
             <a:pPr lvl="1"/>
             <a:r>
-              <a:rPr lang="zh-TW" altLang="en-US" smtClean="0"/>
+              <a:rPr lang="zh-TW" altLang="en-US"/>
               <a:t>第二層</a:t>
             </a:r>
           </a:p>
           <a:p>
             <a:pPr lvl="2"/>
             <a:r>
-              <a:rPr lang="zh-TW" altLang="en-US" smtClean="0"/>
+              <a:rPr lang="zh-TW" altLang="en-US"/>
               <a:t>第三層</a:t>
             </a:r>
           </a:p>
           <a:p>
             <a:pPr lvl="3"/>
             <a:r>
-              <a:rPr lang="zh-TW" altLang="en-US" smtClean="0"/>
+              <a:rPr lang="zh-TW" altLang="en-US"/>
               <a:t>第四層</a:t>
             </a:r>
           </a:p>
           <a:p>
             <a:pPr lvl="4"/>
             <a:r>
-              <a:rPr lang="zh-TW" altLang="en-US" smtClean="0"/>
+              <a:rPr lang="zh-TW" altLang="en-US"/>
               <a:t>第五層</a:t>
             </a:r>
-            <a:endParaRPr lang="zh-TW" altLang="en-US"/>
           </a:p>
         </p:txBody>
       </p:sp>
@@ -3783,23 +3785,6 @@
               </a:rPr>
               <a:t>154</a:t>
             </a:r>
-            <a:r>
-              <a:rPr lang="en-US" altLang="zh-CN" sz="7200" b="1" i="1" dirty="0">
-                <a:solidFill>
-                  <a:srgbClr val="660033"/>
-                </a:solidFill>
-                <a:effectLst>
-                  <a:outerShdw blurRad="38100" dist="38100" dir="2700000" algn="tl">
-                    <a:srgbClr val="000000">
-                      <a:alpha val="43137"/>
-                    </a:srgbClr>
-                  </a:outerShdw>
-                </a:effectLst>
-                <a:latin typeface="微軟正黑體" pitchFamily="34" charset="-120"/>
-                <a:ea typeface="微軟正黑體" pitchFamily="34" charset="-120"/>
-              </a:rPr>
-              <a:t/>
-            </a:r>
             <a:br>
               <a:rPr lang="en-US" altLang="zh-CN" sz="7200" b="1" i="1" dirty="0">
                 <a:solidFill>
@@ -3831,24 +3816,7 @@
                 <a:latin typeface="微軟正黑體" pitchFamily="34" charset="-120"/>
                 <a:ea typeface="微軟正黑體" pitchFamily="34" charset="-120"/>
               </a:rPr>
-              <a:t>耶</a:t>
-            </a:r>
-            <a:r>
-              <a:rPr lang="zh-TW" altLang="en-US" sz="8000" b="1" dirty="0">
-                <a:solidFill>
-                  <a:srgbClr val="660033"/>
-                </a:solidFill>
-                <a:effectLst>
-                  <a:outerShdw blurRad="38100" dist="38100" dir="2700000" algn="tl">
-                    <a:srgbClr val="000000">
-                      <a:alpha val="43137"/>
-                    </a:srgbClr>
-                  </a:outerShdw>
-                </a:effectLst>
-                <a:latin typeface="微軟正黑體" pitchFamily="34" charset="-120"/>
-                <a:ea typeface="微軟正黑體" pitchFamily="34" charset="-120"/>
-              </a:rPr>
-              <a:t>穌我來就你</a:t>
+              <a:t>耶穌我來就祢</a:t>
             </a:r>
           </a:p>
         </p:txBody>
@@ -3863,13 +3831,6 @@
   <p:clrMapOvr>
     <a:masterClrMapping/>
   </p:clrMapOvr>
-  <p:timing>
-    <p:tnLst>
-      <p:par>
-        <p:cTn id="1" dur="indefinite" restart="never" nodeType="tmRoot"/>
-      </p:par>
-    </p:tnLst>
-  </p:timing>
 </p:sld>
 </file>
 
@@ -3940,13 +3901,6 @@
               </a:rPr>
               <a:t>耶穌我來  耶穌我來</a:t>
             </a:r>
-            <a:endParaRPr lang="zh-TW" altLang="en-US" sz="6400" b="1" dirty="0">
-              <a:solidFill>
-                <a:srgbClr val="660033"/>
-              </a:solidFill>
-              <a:latin typeface="Microsoft JhengHei" panose="020B0604030504040204" pitchFamily="34" charset="-120"/>
-              <a:ea typeface="Microsoft JhengHei" panose="020B0604030504040204" pitchFamily="34" charset="-120"/>
-            </a:endParaRPr>
           </a:p>
         </p:txBody>
       </p:sp>
@@ -3959,7 +3913,7 @@
         <p:spPr>
           <a:xfrm>
             <a:off x="0" y="5061182"/>
-            <a:ext cx="12192000" cy="830997"/>
+            <a:ext cx="12192000" cy="646331"/>
           </a:xfrm>
           <a:prstGeom prst="rect">
             <a:avLst/>
@@ -3974,17 +3928,19 @@
           <a:p>
             <a:pPr algn="ctr"/>
             <a:r>
-              <a:rPr lang="en-US" sz="4800" b="1" dirty="0">
+              <a:rPr lang="en-US" sz="3600" b="1" dirty="0">
                 <a:solidFill>
                   <a:srgbClr val="660033"/>
                 </a:solidFill>
+                <a:latin typeface="+mj-lt"/>
               </a:rPr>
-              <a:t>( 3 )</a:t>
-            </a:r>
-            <a:endParaRPr lang="vi-VN" sz="4800" b="1" dirty="0">
+              <a:t>( 3 / 3 )</a:t>
+            </a:r>
+            <a:endParaRPr lang="vi-VN" sz="3600" b="1" dirty="0">
               <a:solidFill>
                 <a:srgbClr val="660033"/>
               </a:solidFill>
+              <a:latin typeface="+mj-lt"/>
             </a:endParaRPr>
           </a:p>
         </p:txBody>
@@ -3999,13 +3955,6 @@
   <p:clrMapOvr>
     <a:masterClrMapping/>
   </p:clrMapOvr>
-  <p:timing>
-    <p:tnLst>
-      <p:par>
-        <p:cTn id="1" dur="indefinite" restart="never" nodeType="tmRoot"/>
-      </p:par>
-    </p:tnLst>
-  </p:timing>
 </p:sld>
 </file>
 
@@ -4074,15 +4023,8 @@
                 <a:latin typeface="Microsoft JhengHei" panose="020B0604030504040204" pitchFamily="34" charset="-120"/>
                 <a:ea typeface="Microsoft JhengHei" panose="020B0604030504040204" pitchFamily="34" charset="-120"/>
               </a:rPr>
-              <a:t>耶穌我來就你</a:t>
-            </a:r>
-            <a:endParaRPr lang="zh-TW" altLang="en-US" sz="6400" b="1" dirty="0">
-              <a:solidFill>
-                <a:srgbClr val="660033"/>
-              </a:solidFill>
-              <a:latin typeface="Microsoft JhengHei" panose="020B0604030504040204" pitchFamily="34" charset="-120"/>
-              <a:ea typeface="Microsoft JhengHei" panose="020B0604030504040204" pitchFamily="34" charset="-120"/>
-            </a:endParaRPr>
+              <a:t>耶穌我來就祢</a:t>
+            </a:r>
           </a:p>
         </p:txBody>
       </p:sp>
@@ -4095,7 +4037,7 @@
         <p:spPr>
           <a:xfrm>
             <a:off x="0" y="5061182"/>
-            <a:ext cx="12192000" cy="830997"/>
+            <a:ext cx="12192000" cy="646331"/>
           </a:xfrm>
           <a:prstGeom prst="rect">
             <a:avLst/>
@@ -4110,17 +4052,19 @@
           <a:p>
             <a:pPr algn="ctr"/>
             <a:r>
-              <a:rPr lang="en-US" sz="4800" b="1" dirty="0">
+              <a:rPr lang="en-US" sz="3600" b="1" dirty="0">
                 <a:solidFill>
                   <a:srgbClr val="660033"/>
                 </a:solidFill>
+                <a:latin typeface="+mj-lt"/>
               </a:rPr>
-              <a:t>( 3 )</a:t>
-            </a:r>
-            <a:endParaRPr lang="vi-VN" sz="4800" b="1" dirty="0">
+              <a:t>( 3 / 3 )</a:t>
+            </a:r>
+            <a:endParaRPr lang="vi-VN" sz="3600" b="1" dirty="0">
               <a:solidFill>
                 <a:srgbClr val="660033"/>
               </a:solidFill>
+              <a:latin typeface="+mj-lt"/>
             </a:endParaRPr>
           </a:p>
         </p:txBody>
@@ -4135,13 +4079,6 @@
   <p:clrMapOvr>
     <a:masterClrMapping/>
   </p:clrMapOvr>
-  <p:timing>
-    <p:tnLst>
-      <p:par>
-        <p:cTn id="1" dur="indefinite" restart="never" nodeType="tmRoot"/>
-      </p:par>
-    </p:tnLst>
-  </p:timing>
 </p:sld>
 </file>
 
@@ -4212,13 +4149,6 @@
               </a:rPr>
               <a:t>入主所賜無限的平安</a:t>
             </a:r>
-            <a:endParaRPr lang="zh-TW" altLang="en-US" sz="6400" b="1" dirty="0">
-              <a:solidFill>
-                <a:srgbClr val="660033"/>
-              </a:solidFill>
-              <a:latin typeface="Microsoft JhengHei" panose="020B0604030504040204" pitchFamily="34" charset="-120"/>
-              <a:ea typeface="Microsoft JhengHei" panose="020B0604030504040204" pitchFamily="34" charset="-120"/>
-            </a:endParaRPr>
           </a:p>
         </p:txBody>
       </p:sp>
@@ -4231,7 +4161,7 @@
         <p:spPr>
           <a:xfrm>
             <a:off x="0" y="5061182"/>
-            <a:ext cx="12192000" cy="830997"/>
+            <a:ext cx="12192000" cy="646331"/>
           </a:xfrm>
           <a:prstGeom prst="rect">
             <a:avLst/>
@@ -4246,17 +4176,19 @@
           <a:p>
             <a:pPr algn="ctr"/>
             <a:r>
-              <a:rPr lang="en-US" sz="4800" b="1" dirty="0">
+              <a:rPr lang="en-US" sz="3600" b="1" dirty="0">
                 <a:solidFill>
                   <a:srgbClr val="660033"/>
                 </a:solidFill>
+                <a:latin typeface="+mj-lt"/>
               </a:rPr>
-              <a:t>( 3 )</a:t>
-            </a:r>
-            <a:endParaRPr lang="vi-VN" sz="4800" b="1" dirty="0">
+              <a:t>( 3 / 3 )</a:t>
+            </a:r>
+            <a:endParaRPr lang="vi-VN" sz="3600" b="1" dirty="0">
               <a:solidFill>
                 <a:srgbClr val="660033"/>
               </a:solidFill>
+              <a:latin typeface="+mj-lt"/>
             </a:endParaRPr>
           </a:p>
         </p:txBody>
@@ -4271,13 +4203,6 @@
   <p:clrMapOvr>
     <a:masterClrMapping/>
   </p:clrMapOvr>
-  <p:timing>
-    <p:tnLst>
-      <p:par>
-        <p:cTn id="1" dur="indefinite" restart="never" nodeType="tmRoot"/>
-      </p:par>
-    </p:tnLst>
-  </p:timing>
 </p:sld>
 </file>
 
@@ -4346,15 +4271,8 @@
                 <a:latin typeface="Microsoft JhengHei" panose="020B0604030504040204" pitchFamily="34" charset="-120"/>
                 <a:ea typeface="Microsoft JhengHei" panose="020B0604030504040204" pitchFamily="34" charset="-120"/>
               </a:rPr>
-              <a:t>耶穌我來就你</a:t>
-            </a:r>
-            <a:endParaRPr lang="zh-TW" altLang="en-US" sz="6400" b="1" dirty="0">
-              <a:solidFill>
-                <a:srgbClr val="660033"/>
-              </a:solidFill>
-              <a:latin typeface="Microsoft JhengHei" panose="020B0604030504040204" pitchFamily="34" charset="-120"/>
-              <a:ea typeface="Microsoft JhengHei" panose="020B0604030504040204" pitchFamily="34" charset="-120"/>
-            </a:endParaRPr>
+              <a:t>耶穌我來就祢</a:t>
+            </a:r>
           </a:p>
         </p:txBody>
       </p:sp>
@@ -4367,7 +4285,7 @@
         <p:spPr>
           <a:xfrm>
             <a:off x="0" y="5061182"/>
-            <a:ext cx="12192000" cy="830997"/>
+            <a:ext cx="12192000" cy="646331"/>
           </a:xfrm>
           <a:prstGeom prst="rect">
             <a:avLst/>
@@ -4382,17 +4300,19 @@
           <a:p>
             <a:pPr algn="ctr"/>
             <a:r>
-              <a:rPr lang="en-US" sz="4800" b="1" dirty="0">
+              <a:rPr lang="en-US" sz="3600" b="1" dirty="0">
                 <a:solidFill>
                   <a:srgbClr val="660033"/>
                 </a:solidFill>
+                <a:latin typeface="+mj-lt"/>
               </a:rPr>
-              <a:t>( 3 )</a:t>
-            </a:r>
-            <a:endParaRPr lang="vi-VN" sz="4800" b="1" dirty="0">
+              <a:t>( 3 / 3 )</a:t>
+            </a:r>
+            <a:endParaRPr lang="vi-VN" sz="3600" b="1" dirty="0">
               <a:solidFill>
                 <a:srgbClr val="660033"/>
               </a:solidFill>
+              <a:latin typeface="+mj-lt"/>
             </a:endParaRPr>
           </a:p>
         </p:txBody>
@@ -4407,13 +4327,6 @@
   <p:clrMapOvr>
     <a:masterClrMapping/>
   </p:clrMapOvr>
-  <p:timing>
-    <p:tnLst>
-      <p:par>
-        <p:cTn id="1" dur="indefinite" restart="never" nodeType="tmRoot"/>
-      </p:par>
-    </p:tnLst>
-  </p:timing>
 </p:sld>
 </file>
 
@@ -4503,7 +4416,7 @@
         <p:spPr>
           <a:xfrm>
             <a:off x="0" y="5061182"/>
-            <a:ext cx="12192000" cy="830997"/>
+            <a:ext cx="12192000" cy="646331"/>
           </a:xfrm>
           <a:prstGeom prst="rect">
             <a:avLst/>
@@ -4518,17 +4431,19 @@
           <a:p>
             <a:pPr algn="ctr"/>
             <a:r>
-              <a:rPr lang="en-US" sz="4800" b="1" dirty="0">
+              <a:rPr lang="en-US" sz="3600" b="1" dirty="0">
                 <a:solidFill>
                   <a:srgbClr val="660033"/>
                 </a:solidFill>
+                <a:latin typeface="+mj-lt"/>
               </a:rPr>
-              <a:t>( 1 )</a:t>
-            </a:r>
-            <a:endParaRPr lang="vi-VN" sz="4800" b="1" dirty="0">
+              <a:t>( 1 / 3 )</a:t>
+            </a:r>
+            <a:endParaRPr lang="vi-VN" sz="3600" b="1" dirty="0">
               <a:solidFill>
                 <a:srgbClr val="660033"/>
               </a:solidFill>
+              <a:latin typeface="+mj-lt"/>
             </a:endParaRPr>
           </a:p>
         </p:txBody>
@@ -4543,13 +4458,6 @@
   <p:clrMapOvr>
     <a:masterClrMapping/>
   </p:clrMapOvr>
-  <p:timing>
-    <p:tnLst>
-      <p:par>
-        <p:cTn id="1" dur="indefinite" restart="never" nodeType="tmRoot"/>
-      </p:par>
-    </p:tnLst>
-  </p:timing>
 </p:sld>
 </file>
 
@@ -4618,15 +4526,8 @@
                 <a:latin typeface="Microsoft JhengHei" panose="020B0604030504040204" pitchFamily="34" charset="-120"/>
                 <a:ea typeface="Microsoft JhengHei" panose="020B0604030504040204" pitchFamily="34" charset="-120"/>
               </a:rPr>
-              <a:t>耶穌我來就你</a:t>
-            </a:r>
-            <a:endParaRPr lang="zh-TW" altLang="en-US" sz="6400" b="1" dirty="0">
-              <a:solidFill>
-                <a:srgbClr val="660033"/>
-              </a:solidFill>
-              <a:latin typeface="Microsoft JhengHei" panose="020B0604030504040204" pitchFamily="34" charset="-120"/>
-              <a:ea typeface="Microsoft JhengHei" panose="020B0604030504040204" pitchFamily="34" charset="-120"/>
-            </a:endParaRPr>
+              <a:t>耶穌我來就祢</a:t>
+            </a:r>
           </a:p>
         </p:txBody>
       </p:sp>
@@ -4639,7 +4540,7 @@
         <p:spPr>
           <a:xfrm>
             <a:off x="0" y="5061182"/>
-            <a:ext cx="12192000" cy="830997"/>
+            <a:ext cx="12192000" cy="646331"/>
           </a:xfrm>
           <a:prstGeom prst="rect">
             <a:avLst/>
@@ -4654,17 +4555,19 @@
           <a:p>
             <a:pPr algn="ctr"/>
             <a:r>
-              <a:rPr lang="en-US" sz="4800" b="1" dirty="0">
+              <a:rPr lang="en-US" sz="3600" b="1" dirty="0">
                 <a:solidFill>
                   <a:srgbClr val="660033"/>
                 </a:solidFill>
+                <a:latin typeface="+mj-lt"/>
               </a:rPr>
-              <a:t>( 1 )</a:t>
-            </a:r>
-            <a:endParaRPr lang="vi-VN" sz="4800" b="1" dirty="0">
+              <a:t>( 1 / 3 )</a:t>
+            </a:r>
+            <a:endParaRPr lang="vi-VN" sz="3600" b="1" dirty="0">
               <a:solidFill>
                 <a:srgbClr val="660033"/>
               </a:solidFill>
+              <a:latin typeface="+mj-lt"/>
             </a:endParaRPr>
           </a:p>
         </p:txBody>
@@ -4679,13 +4582,6 @@
   <p:clrMapOvr>
     <a:masterClrMapping/>
   </p:clrMapOvr>
-  <p:timing>
-    <p:tnLst>
-      <p:par>
-        <p:cTn id="1" dur="indefinite" restart="never" nodeType="tmRoot"/>
-      </p:par>
-    </p:tnLst>
-  </p:timing>
 </p:sld>
 </file>
 
@@ -4756,13 +4652,6 @@
               </a:rPr>
               <a:t>離去缺乏入主之充盈</a:t>
             </a:r>
-            <a:endParaRPr lang="zh-TW" altLang="en-US" sz="6400" b="1" dirty="0">
-              <a:solidFill>
-                <a:srgbClr val="660033"/>
-              </a:solidFill>
-              <a:latin typeface="Microsoft JhengHei" panose="020B0604030504040204" pitchFamily="34" charset="-120"/>
-              <a:ea typeface="Microsoft JhengHei" panose="020B0604030504040204" pitchFamily="34" charset="-120"/>
-            </a:endParaRPr>
           </a:p>
         </p:txBody>
       </p:sp>
@@ -4775,7 +4664,7 @@
         <p:spPr>
           <a:xfrm>
             <a:off x="0" y="5061182"/>
-            <a:ext cx="12192000" cy="830997"/>
+            <a:ext cx="12192000" cy="646331"/>
           </a:xfrm>
           <a:prstGeom prst="rect">
             <a:avLst/>
@@ -4790,17 +4679,19 @@
           <a:p>
             <a:pPr algn="ctr"/>
             <a:r>
-              <a:rPr lang="en-US" sz="4800" b="1" dirty="0">
+              <a:rPr lang="en-US" sz="3600" b="1" dirty="0">
                 <a:solidFill>
                   <a:srgbClr val="660033"/>
                 </a:solidFill>
+                <a:latin typeface="+mj-lt"/>
               </a:rPr>
-              <a:t>( 1 )</a:t>
-            </a:r>
-            <a:endParaRPr lang="vi-VN" sz="4800" b="1" dirty="0">
+              <a:t>( 1 / 3 )</a:t>
+            </a:r>
+            <a:endParaRPr lang="vi-VN" sz="3600" b="1" dirty="0">
               <a:solidFill>
                 <a:srgbClr val="660033"/>
               </a:solidFill>
+              <a:latin typeface="+mj-lt"/>
             </a:endParaRPr>
           </a:p>
         </p:txBody>
@@ -4815,13 +4706,6 @@
   <p:clrMapOvr>
     <a:masterClrMapping/>
   </p:clrMapOvr>
-  <p:timing>
-    <p:tnLst>
-      <p:par>
-        <p:cTn id="1" dur="indefinite" restart="never" nodeType="tmRoot"/>
-      </p:par>
-    </p:tnLst>
-  </p:timing>
 </p:sld>
 </file>
 
@@ -4890,15 +4774,8 @@
                 <a:latin typeface="Microsoft JhengHei" panose="020B0604030504040204" pitchFamily="34" charset="-120"/>
                 <a:ea typeface="Microsoft JhengHei" panose="020B0604030504040204" pitchFamily="34" charset="-120"/>
               </a:rPr>
-              <a:t>耶穌我來就你</a:t>
-            </a:r>
-            <a:endParaRPr lang="zh-TW" altLang="en-US" sz="6400" b="1" dirty="0">
-              <a:solidFill>
-                <a:srgbClr val="660033"/>
-              </a:solidFill>
-              <a:latin typeface="Microsoft JhengHei" panose="020B0604030504040204" pitchFamily="34" charset="-120"/>
-              <a:ea typeface="Microsoft JhengHei" panose="020B0604030504040204" pitchFamily="34" charset="-120"/>
-            </a:endParaRPr>
+              <a:t>耶穌我來就祢</a:t>
+            </a:r>
           </a:p>
         </p:txBody>
       </p:sp>
@@ -4911,7 +4788,7 @@
         <p:spPr>
           <a:xfrm>
             <a:off x="0" y="5061182"/>
-            <a:ext cx="12192000" cy="830997"/>
+            <a:ext cx="12192000" cy="646331"/>
           </a:xfrm>
           <a:prstGeom prst="rect">
             <a:avLst/>
@@ -4926,17 +4803,19 @@
           <a:p>
             <a:pPr algn="ctr"/>
             <a:r>
-              <a:rPr lang="en-US" sz="4800" b="1" dirty="0">
+              <a:rPr lang="en-US" sz="3600" b="1" dirty="0">
                 <a:solidFill>
                   <a:srgbClr val="660033"/>
                 </a:solidFill>
+                <a:latin typeface="+mj-lt"/>
               </a:rPr>
-              <a:t>( 1 )</a:t>
-            </a:r>
-            <a:endParaRPr lang="vi-VN" sz="4800" b="1" dirty="0">
+              <a:t>( 1 / 3 )</a:t>
+            </a:r>
+            <a:endParaRPr lang="vi-VN" sz="3600" b="1" dirty="0">
               <a:solidFill>
                 <a:srgbClr val="660033"/>
               </a:solidFill>
+              <a:latin typeface="+mj-lt"/>
             </a:endParaRPr>
           </a:p>
         </p:txBody>
@@ -4951,13 +4830,6 @@
   <p:clrMapOvr>
     <a:masterClrMapping/>
   </p:clrMapOvr>
-  <p:timing>
-    <p:tnLst>
-      <p:par>
-        <p:cTn id="1" dur="indefinite" restart="never" nodeType="tmRoot"/>
-      </p:par>
-    </p:tnLst>
-  </p:timing>
 </p:sld>
 </file>
 
@@ -5028,13 +4900,6 @@
               </a:rPr>
               <a:t>耶穌我來  耶穌我來</a:t>
             </a:r>
-            <a:endParaRPr lang="zh-TW" altLang="en-US" sz="6400" b="1" dirty="0">
-              <a:solidFill>
-                <a:srgbClr val="660033"/>
-              </a:solidFill>
-              <a:latin typeface="Microsoft JhengHei" panose="020B0604030504040204" pitchFamily="34" charset="-120"/>
-              <a:ea typeface="Microsoft JhengHei" panose="020B0604030504040204" pitchFamily="34" charset="-120"/>
-            </a:endParaRPr>
           </a:p>
         </p:txBody>
       </p:sp>
@@ -5047,7 +4912,7 @@
         <p:spPr>
           <a:xfrm>
             <a:off x="0" y="5061182"/>
-            <a:ext cx="12192000" cy="830997"/>
+            <a:ext cx="12192000" cy="646331"/>
           </a:xfrm>
           <a:prstGeom prst="rect">
             <a:avLst/>
@@ -5062,17 +4927,19 @@
           <a:p>
             <a:pPr algn="ctr"/>
             <a:r>
-              <a:rPr lang="en-US" sz="4800" b="1" dirty="0">
+              <a:rPr lang="en-US" sz="3600" b="1" dirty="0">
                 <a:solidFill>
                   <a:srgbClr val="660033"/>
                 </a:solidFill>
+                <a:latin typeface="+mj-lt"/>
               </a:rPr>
-              <a:t>( 2 )</a:t>
-            </a:r>
-            <a:endParaRPr lang="vi-VN" sz="4800" b="1" dirty="0">
+              <a:t>( 2 / 3 )</a:t>
+            </a:r>
+            <a:endParaRPr lang="vi-VN" sz="3600" b="1" dirty="0">
               <a:solidFill>
                 <a:srgbClr val="660033"/>
               </a:solidFill>
+              <a:latin typeface="+mj-lt"/>
             </a:endParaRPr>
           </a:p>
         </p:txBody>
@@ -5087,13 +4954,6 @@
   <p:clrMapOvr>
     <a:masterClrMapping/>
   </p:clrMapOvr>
-  <p:timing>
-    <p:tnLst>
-      <p:par>
-        <p:cTn id="1" dur="indefinite" restart="never" nodeType="tmRoot"/>
-      </p:par>
-    </p:tnLst>
-  </p:timing>
 </p:sld>
 </file>
 
@@ -5162,15 +5022,8 @@
                 <a:latin typeface="Microsoft JhengHei" panose="020B0604030504040204" pitchFamily="34" charset="-120"/>
                 <a:ea typeface="Microsoft JhengHei" panose="020B0604030504040204" pitchFamily="34" charset="-120"/>
               </a:rPr>
-              <a:t>耶穌我來就你</a:t>
-            </a:r>
-            <a:endParaRPr lang="zh-TW" altLang="en-US" sz="6400" b="1" dirty="0">
-              <a:solidFill>
-                <a:srgbClr val="660033"/>
-              </a:solidFill>
-              <a:latin typeface="Microsoft JhengHei" panose="020B0604030504040204" pitchFamily="34" charset="-120"/>
-              <a:ea typeface="Microsoft JhengHei" panose="020B0604030504040204" pitchFamily="34" charset="-120"/>
-            </a:endParaRPr>
+              <a:t>耶穌我來就祢</a:t>
+            </a:r>
           </a:p>
         </p:txBody>
       </p:sp>
@@ -5183,7 +5036,7 @@
         <p:spPr>
           <a:xfrm>
             <a:off x="0" y="5061182"/>
-            <a:ext cx="12192000" cy="830997"/>
+            <a:ext cx="12192000" cy="646331"/>
           </a:xfrm>
           <a:prstGeom prst="rect">
             <a:avLst/>
@@ -5198,17 +5051,19 @@
           <a:p>
             <a:pPr algn="ctr"/>
             <a:r>
-              <a:rPr lang="en-US" sz="4800" b="1" dirty="0">
+              <a:rPr lang="en-US" sz="3600" b="1" dirty="0">
                 <a:solidFill>
                   <a:srgbClr val="660033"/>
                 </a:solidFill>
+                <a:latin typeface="+mj-lt"/>
               </a:rPr>
-              <a:t>( 2 )</a:t>
-            </a:r>
-            <a:endParaRPr lang="vi-VN" sz="4800" b="1" dirty="0">
+              <a:t>( 2 / 3 )</a:t>
+            </a:r>
+            <a:endParaRPr lang="vi-VN" sz="3600" b="1" dirty="0">
               <a:solidFill>
                 <a:srgbClr val="660033"/>
               </a:solidFill>
+              <a:latin typeface="+mj-lt"/>
             </a:endParaRPr>
           </a:p>
         </p:txBody>
@@ -5223,13 +5078,6 @@
   <p:clrMapOvr>
     <a:masterClrMapping/>
   </p:clrMapOvr>
-  <p:timing>
-    <p:tnLst>
-      <p:par>
-        <p:cTn id="1" dur="indefinite" restart="never" nodeType="tmRoot"/>
-      </p:par>
-    </p:tnLst>
-  </p:timing>
 </p:sld>
 </file>
 
@@ -5300,13 +5148,6 @@
               </a:rPr>
               <a:t>離去絕望歡候主再臨</a:t>
             </a:r>
-            <a:endParaRPr lang="zh-TW" altLang="en-US" sz="6400" b="1" dirty="0">
-              <a:solidFill>
-                <a:srgbClr val="660033"/>
-              </a:solidFill>
-              <a:latin typeface="Microsoft JhengHei" panose="020B0604030504040204" pitchFamily="34" charset="-120"/>
-              <a:ea typeface="Microsoft JhengHei" panose="020B0604030504040204" pitchFamily="34" charset="-120"/>
-            </a:endParaRPr>
           </a:p>
         </p:txBody>
       </p:sp>
@@ -5319,7 +5160,7 @@
         <p:spPr>
           <a:xfrm>
             <a:off x="0" y="5061182"/>
-            <a:ext cx="12192000" cy="830997"/>
+            <a:ext cx="12192000" cy="646331"/>
           </a:xfrm>
           <a:prstGeom prst="rect">
             <a:avLst/>
@@ -5334,17 +5175,19 @@
           <a:p>
             <a:pPr algn="ctr"/>
             <a:r>
-              <a:rPr lang="en-US" sz="4800" b="1" dirty="0">
+              <a:rPr lang="en-US" sz="3600" b="1" dirty="0">
                 <a:solidFill>
                   <a:srgbClr val="660033"/>
                 </a:solidFill>
+                <a:latin typeface="+mj-lt"/>
               </a:rPr>
-              <a:t>( 2 )</a:t>
-            </a:r>
-            <a:endParaRPr lang="vi-VN" sz="4800" b="1" dirty="0">
+              <a:t>( 2 / 3 )</a:t>
+            </a:r>
+            <a:endParaRPr lang="vi-VN" sz="3600" b="1" dirty="0">
               <a:solidFill>
                 <a:srgbClr val="660033"/>
               </a:solidFill>
+              <a:latin typeface="+mj-lt"/>
             </a:endParaRPr>
           </a:p>
         </p:txBody>
@@ -5359,13 +5202,6 @@
   <p:clrMapOvr>
     <a:masterClrMapping/>
   </p:clrMapOvr>
-  <p:timing>
-    <p:tnLst>
-      <p:par>
-        <p:cTn id="1" dur="indefinite" restart="never" nodeType="tmRoot"/>
-      </p:par>
-    </p:tnLst>
-  </p:timing>
 </p:sld>
 </file>
 
@@ -5454,15 +5290,8 @@
                 <a:latin typeface="Microsoft JhengHei" panose="020B0604030504040204" pitchFamily="34" charset="-120"/>
                 <a:ea typeface="Microsoft JhengHei" panose="020B0604030504040204" pitchFamily="34" charset="-120"/>
               </a:rPr>
-              <a:t>耶穌我來就你</a:t>
-            </a:r>
-            <a:endParaRPr lang="zh-TW" altLang="en-US" sz="6400" b="1" dirty="0">
-              <a:solidFill>
-                <a:srgbClr val="660033"/>
-              </a:solidFill>
-              <a:latin typeface="Microsoft JhengHei" panose="020B0604030504040204" pitchFamily="34" charset="-120"/>
-              <a:ea typeface="Microsoft JhengHei" panose="020B0604030504040204" pitchFamily="34" charset="-120"/>
-            </a:endParaRPr>
+              <a:t>耶穌我來就祢</a:t>
+            </a:r>
           </a:p>
         </p:txBody>
       </p:sp>
@@ -5475,7 +5304,7 @@
         <p:spPr>
           <a:xfrm>
             <a:off x="0" y="5061182"/>
-            <a:ext cx="12192000" cy="830997"/>
+            <a:ext cx="12192000" cy="646331"/>
           </a:xfrm>
           <a:prstGeom prst="rect">
             <a:avLst/>
@@ -5490,17 +5319,19 @@
           <a:p>
             <a:pPr algn="ctr"/>
             <a:r>
-              <a:rPr lang="en-US" sz="4800" b="1" dirty="0">
+              <a:rPr lang="en-US" sz="3600" b="1" dirty="0">
                 <a:solidFill>
                   <a:srgbClr val="660033"/>
                 </a:solidFill>
+                <a:latin typeface="+mj-lt"/>
               </a:rPr>
-              <a:t>( 2 )</a:t>
-            </a:r>
-            <a:endParaRPr lang="vi-VN" sz="4800" b="1" dirty="0">
+              <a:t>( 2 / 3 )</a:t>
+            </a:r>
+            <a:endParaRPr lang="vi-VN" sz="3600" b="1" dirty="0">
               <a:solidFill>
                 <a:srgbClr val="660033"/>
               </a:solidFill>
+              <a:latin typeface="+mj-lt"/>
             </a:endParaRPr>
           </a:p>
         </p:txBody>
@@ -5515,13 +5346,6 @@
   <p:clrMapOvr>
     <a:masterClrMapping/>
   </p:clrMapOvr>
-  <p:timing>
-    <p:tnLst>
-      <p:par>
-        <p:cTn id="1" dur="indefinite" restart="never" nodeType="tmRoot"/>
-      </p:par>
-    </p:tnLst>
-  </p:timing>
 </p:sld>
 </file>
 
